--- a/08_reproduceability/Reproduceability.pptx
+++ b/08_reproduceability/Reproduceability.pptx
@@ -5,20 +5,24 @@
     <p:sldMasterId id="2147483648" r:id="rId1"/>
   </p:sldMasterIdLst>
   <p:notesMasterIdLst>
-    <p:notesMasterId r:id="rId10"/>
+    <p:notesMasterId r:id="rId14"/>
   </p:notesMasterIdLst>
   <p:handoutMasterIdLst>
-    <p:handoutMasterId r:id="rId11"/>
+    <p:handoutMasterId r:id="rId15"/>
   </p:handoutMasterIdLst>
   <p:sldIdLst>
     <p:sldId id="256" r:id="rId2"/>
     <p:sldId id="257" r:id="rId3"/>
-    <p:sldId id="262" r:id="rId4"/>
-    <p:sldId id="258" r:id="rId5"/>
-    <p:sldId id="259" r:id="rId6"/>
-    <p:sldId id="260" r:id="rId7"/>
-    <p:sldId id="261" r:id="rId8"/>
-    <p:sldId id="263" r:id="rId9"/>
+    <p:sldId id="265" r:id="rId4"/>
+    <p:sldId id="262" r:id="rId5"/>
+    <p:sldId id="266" r:id="rId6"/>
+    <p:sldId id="264" r:id="rId7"/>
+    <p:sldId id="258" r:id="rId8"/>
+    <p:sldId id="259" r:id="rId9"/>
+    <p:sldId id="260" r:id="rId10"/>
+    <p:sldId id="261" r:id="rId11"/>
+    <p:sldId id="263" r:id="rId12"/>
+    <p:sldId id="267" r:id="rId13"/>
   </p:sldIdLst>
   <p:sldSz cx="12192000" cy="6858000"/>
   <p:notesSz cx="6858000" cy="9144000"/>
@@ -5198,7 +5202,7 @@
           <a:p>
             <a:fld id="{D75CAE95-D2DD-4998-876A-092BFD628C65}" type="datetimeFigureOut">
               <a:rPr lang="da-DK" smtClean="0"/>
-              <a:t>05-05-2021</a:t>
+              <a:t>28-05-2021</a:t>
             </a:fld>
             <a:endParaRPr lang="da-DK"/>
           </a:p>
@@ -5376,7 +5380,7 @@
           <a:p>
             <a:fld id="{1DA8E099-58AA-4136-B409-1CAD1943D842}" type="datetimeFigureOut">
               <a:rPr lang="da-DK" smtClean="0"/>
-              <a:t>05-05-2021</a:t>
+              <a:t>28-05-2021</a:t>
             </a:fld>
             <a:endParaRPr lang="da-DK"/>
           </a:p>
@@ -5794,7 +5798,7 @@
           <a:p>
             <a:fld id="{C85334AD-9960-4065-BF34-86ED0345A76D}" type="datetime1">
               <a:rPr lang="en-US" smtClean="0"/>
-              <a:t>5/5/2021</a:t>
+              <a:t>5/28/2021</a:t>
             </a:fld>
             <a:endParaRPr lang="da-DK"/>
           </a:p>
@@ -6033,7 +6037,7 @@
           <a:p>
             <a:fld id="{C5669758-3775-48D7-A841-693E908C3BF4}" type="datetime1">
               <a:rPr lang="en-US" smtClean="0"/>
-              <a:t>5/5/2021</a:t>
+              <a:t>5/28/2021</a:t>
             </a:fld>
             <a:endParaRPr lang="da-DK"/>
           </a:p>
@@ -6246,7 +6250,7 @@
           <a:p>
             <a:fld id="{1E0C3FF1-EDBD-4F2A-8366-34A4E3728310}" type="datetime1">
               <a:rPr lang="en-US" smtClean="0"/>
-              <a:t>5/5/2021</a:t>
+              <a:t>5/28/2021</a:t>
             </a:fld>
             <a:endParaRPr lang="da-DK"/>
           </a:p>
@@ -6467,7 +6471,7 @@
           <a:p>
             <a:fld id="{019E29B9-5584-4737-9C98-1B926378C778}" type="datetime1">
               <a:rPr lang="en-US" smtClean="0"/>
-              <a:t>5/5/2021</a:t>
+              <a:t>5/28/2021</a:t>
             </a:fld>
             <a:endParaRPr lang="da-DK"/>
           </a:p>
@@ -6782,7 +6786,7 @@
           <a:p>
             <a:fld id="{FCE38F03-F67D-4508-A858-99FCD085087C}" type="datetime1">
               <a:rPr lang="en-US" smtClean="0"/>
-              <a:t>5/5/2021</a:t>
+              <a:t>5/28/2021</a:t>
             </a:fld>
             <a:endParaRPr lang="da-DK"/>
           </a:p>
@@ -7053,7 +7057,7 @@
           <a:p>
             <a:fld id="{B43F2930-3FFD-4F93-A4BD-4F0D1A0B4514}" type="datetime1">
               <a:rPr lang="en-US" smtClean="0"/>
-              <a:t>5/5/2021</a:t>
+              <a:t>5/28/2021</a:t>
             </a:fld>
             <a:endParaRPr lang="da-DK"/>
           </a:p>
@@ -7471,7 +7475,7 @@
           <a:p>
             <a:fld id="{8E0F9B9B-30CC-4693-8E0F-1A94A979E2C5}" type="datetime1">
               <a:rPr lang="en-US" smtClean="0"/>
-              <a:t>5/5/2021</a:t>
+              <a:t>5/28/2021</a:t>
             </a:fld>
             <a:endParaRPr lang="da-DK"/>
           </a:p>
@@ -7616,7 +7620,7 @@
           <a:p>
             <a:fld id="{6FE1433B-E6A7-44FF-8B55-539471B4D7C5}" type="datetime1">
               <a:rPr lang="en-US" smtClean="0"/>
-              <a:t>5/5/2021</a:t>
+              <a:t>5/28/2021</a:t>
             </a:fld>
             <a:endParaRPr lang="da-DK"/>
           </a:p>
@@ -7732,7 +7736,7 @@
           <a:p>
             <a:fld id="{624F4001-6A8C-42DA-824F-B5CC1375B861}" type="datetime1">
               <a:rPr lang="en-US" smtClean="0"/>
-              <a:t>5/5/2021</a:t>
+              <a:t>5/28/2021</a:t>
             </a:fld>
             <a:endParaRPr lang="da-DK"/>
           </a:p>
@@ -8048,7 +8052,7 @@
           <a:p>
             <a:fld id="{2D3BE137-2C5E-4078-8BA2-7D42D7E67218}" type="datetime1">
               <a:rPr lang="en-US" smtClean="0"/>
-              <a:t>5/5/2021</a:t>
+              <a:t>5/28/2021</a:t>
             </a:fld>
             <a:endParaRPr lang="da-DK"/>
           </a:p>
@@ -8340,7 +8344,7 @@
           <a:p>
             <a:fld id="{0D1436FF-56D3-4E93-92E8-71121EAB120E}" type="datetime1">
               <a:rPr lang="en-US" smtClean="0"/>
-              <a:t>5/5/2021</a:t>
+              <a:t>5/28/2021</a:t>
             </a:fld>
             <a:endParaRPr lang="da-DK"/>
           </a:p>
@@ -8586,7 +8590,7 @@
           <a:p>
             <a:fld id="{16601EF2-4BCA-4009-ACCF-B97F259DEF6F}" type="datetime1">
               <a:rPr lang="en-US" smtClean="0"/>
-              <a:t>5/5/2021</a:t>
+              <a:t>5/28/2021</a:t>
             </a:fld>
             <a:endParaRPr lang="da-DK"/>
           </a:p>
@@ -9109,6 +9113,700 @@
 </p:sld>
 </file>
 
+<file path=ppt/slides/slide10.xml><?xml version="1.0" encoding="utf-8"?>
+<p:sld xmlns:a="http://schemas.openxmlformats.org/drawingml/2006/main" xmlns:r="http://schemas.openxmlformats.org/officeDocument/2006/relationships" xmlns:p="http://schemas.openxmlformats.org/presentationml/2006/main">
+  <p:cSld>
+    <p:spTree>
+      <p:nvGrpSpPr>
+        <p:cNvPr id="1" name=""/>
+        <p:cNvGrpSpPr/>
+        <p:nvPr/>
+      </p:nvGrpSpPr>
+      <p:grpSpPr>
+        <a:xfrm>
+          <a:off x="0" y="0"/>
+          <a:ext cx="0" cy="0"/>
+          <a:chOff x="0" y="0"/>
+          <a:chExt cx="0" cy="0"/>
+        </a:xfrm>
+      </p:grpSpPr>
+      <p:sp>
+        <p:nvSpPr>
+          <p:cNvPr id="3" name="Content Placeholder 2">
+            <a:extLst>
+              <a:ext uri="{FF2B5EF4-FFF2-40B4-BE49-F238E27FC236}">
+                <a16:creationId xmlns:a16="http://schemas.microsoft.com/office/drawing/2014/main" id="{30FE8B02-0463-4D95-AB56-30BA23119AAC}"/>
+              </a:ext>
+            </a:extLst>
+          </p:cNvPr>
+          <p:cNvSpPr>
+            <a:spLocks noGrp="1"/>
+          </p:cNvSpPr>
+          <p:nvPr>
+            <p:ph idx="1"/>
+          </p:nvPr>
+        </p:nvSpPr>
+        <p:spPr/>
+        <p:txBody>
+          <a:bodyPr/>
+          <a:lstStyle/>
+          <a:p>
+            <a:pPr marL="0" indent="0" algn="ctr">
+              <a:buNone/>
+            </a:pPr>
+            <a:endParaRPr lang="en-US" i="1" dirty="0"/>
+          </a:p>
+          <a:p>
+            <a:pPr marL="0" indent="0" algn="ctr">
+              <a:buNone/>
+            </a:pPr>
+            <a:r>
+              <a:rPr lang="en-US" i="1" dirty="0"/>
+              <a:t>A framework for elegantly configuring complex applications.</a:t>
+            </a:r>
+          </a:p>
+          <a:p>
+            <a:pPr marL="0" indent="0" algn="ctr">
+              <a:buNone/>
+            </a:pPr>
+            <a:r>
+              <a:rPr lang="en-US" dirty="0">
+                <a:hlinkClick r:id="rId2"/>
+              </a:rPr>
+              <a:t>https://github.com/facebookresearch/hydra</a:t>
+            </a:r>
+            <a:endParaRPr lang="en-US" dirty="0"/>
+          </a:p>
+          <a:p>
+            <a:pPr marL="0" indent="0" algn="ctr">
+              <a:buNone/>
+            </a:pPr>
+            <a:endParaRPr lang="en-US" dirty="0"/>
+          </a:p>
+          <a:p>
+            <a:pPr marL="0" indent="0">
+              <a:buNone/>
+            </a:pPr>
+            <a:r>
+              <a:rPr lang="en-US" dirty="0"/>
+              <a:t>Correctly using configuration files makes sure that everything is documented</a:t>
+            </a:r>
+          </a:p>
+          <a:p>
+            <a:pPr marL="0" indent="0">
+              <a:buNone/>
+            </a:pPr>
+            <a:r>
+              <a:rPr lang="en-US" u="sng" dirty="0"/>
+              <a:t>Example:</a:t>
+            </a:r>
+          </a:p>
+          <a:p>
+            <a:pPr marL="0" indent="0">
+              <a:buNone/>
+            </a:pPr>
+            <a:endParaRPr lang="en-US" dirty="0"/>
+          </a:p>
+        </p:txBody>
+      </p:sp>
+      <p:sp>
+        <p:nvSpPr>
+          <p:cNvPr id="4" name="Date Placeholder 3">
+            <a:extLst>
+              <a:ext uri="{FF2B5EF4-FFF2-40B4-BE49-F238E27FC236}">
+                <a16:creationId xmlns:a16="http://schemas.microsoft.com/office/drawing/2014/main" id="{386E6561-5811-4831-9A70-B9C397D06125}"/>
+              </a:ext>
+            </a:extLst>
+          </p:cNvPr>
+          <p:cNvSpPr>
+            <a:spLocks noGrp="1"/>
+          </p:cNvSpPr>
+          <p:nvPr>
+            <p:ph type="dt" sz="half" idx="10"/>
+          </p:nvPr>
+        </p:nvSpPr>
+        <p:spPr/>
+        <p:txBody>
+          <a:bodyPr/>
+          <a:lstStyle/>
+          <a:p>
+            <a:fld id="{019E29B9-5584-4737-9C98-1B926378C778}" type="datetime1">
+              <a:rPr lang="en-US" smtClean="0"/>
+              <a:t>5/28/2021</a:t>
+            </a:fld>
+            <a:endParaRPr lang="da-DK"/>
+          </a:p>
+        </p:txBody>
+      </p:sp>
+      <p:sp>
+        <p:nvSpPr>
+          <p:cNvPr id="5" name="Footer Placeholder 4">
+            <a:extLst>
+              <a:ext uri="{FF2B5EF4-FFF2-40B4-BE49-F238E27FC236}">
+                <a16:creationId xmlns:a16="http://schemas.microsoft.com/office/drawing/2014/main" id="{0A4AB652-F75E-4A6E-8F07-42A66DC5DE87}"/>
+              </a:ext>
+            </a:extLst>
+          </p:cNvPr>
+          <p:cNvSpPr>
+            <a:spLocks noGrp="1"/>
+          </p:cNvSpPr>
+          <p:nvPr>
+            <p:ph type="ftr" sz="quarter" idx="11"/>
+          </p:nvPr>
+        </p:nvSpPr>
+        <p:spPr/>
+        <p:txBody>
+          <a:bodyPr/>
+          <a:lstStyle/>
+          <a:p>
+            <a:r>
+              <a:rPr lang="da-DK"/>
+              <a:t>Nicki Skafte Detlefsen</a:t>
+            </a:r>
+          </a:p>
+        </p:txBody>
+      </p:sp>
+      <p:sp>
+        <p:nvSpPr>
+          <p:cNvPr id="6" name="Slide Number Placeholder 5">
+            <a:extLst>
+              <a:ext uri="{FF2B5EF4-FFF2-40B4-BE49-F238E27FC236}">
+                <a16:creationId xmlns:a16="http://schemas.microsoft.com/office/drawing/2014/main" id="{12A5B660-225E-47D0-8A49-500C8FDACE2D}"/>
+              </a:ext>
+            </a:extLst>
+          </p:cNvPr>
+          <p:cNvSpPr>
+            <a:spLocks noGrp="1"/>
+          </p:cNvSpPr>
+          <p:nvPr>
+            <p:ph type="sldNum" sz="quarter" idx="12"/>
+          </p:nvPr>
+        </p:nvSpPr>
+        <p:spPr/>
+        <p:txBody>
+          <a:bodyPr/>
+          <a:lstStyle/>
+          <a:p>
+            <a:fld id="{F6FEDE24-D50C-481B-A7B4-8AF13899101A}" type="slidenum">
+              <a:rPr lang="da-DK" smtClean="0"/>
+              <a:t>10</a:t>
+            </a:fld>
+            <a:endParaRPr lang="da-DK"/>
+          </a:p>
+        </p:txBody>
+      </p:sp>
+      <p:pic>
+        <p:nvPicPr>
+          <p:cNvPr id="14" name="Picture 13" descr="A picture containing text, tableware, plate, dishware&#10;&#10;Description automatically generated">
+            <a:extLst>
+              <a:ext uri="{FF2B5EF4-FFF2-40B4-BE49-F238E27FC236}">
+                <a16:creationId xmlns:a16="http://schemas.microsoft.com/office/drawing/2014/main" id="{03386FE9-286D-4F57-84AD-BF02DAE80C50}"/>
+              </a:ext>
+            </a:extLst>
+          </p:cNvPr>
+          <p:cNvPicPr>
+            <a:picLocks noChangeAspect="1"/>
+          </p:cNvPicPr>
+          <p:nvPr/>
+        </p:nvPicPr>
+        <p:blipFill>
+          <a:blip r:embed="rId3">
+            <a:extLst>
+              <a:ext uri="{28A0092B-C50C-407E-A947-70E740481C1C}">
+                <a14:useLocalDpi xmlns:a14="http://schemas.microsoft.com/office/drawing/2010/main" val="0"/>
+              </a:ext>
+            </a:extLst>
+          </a:blip>
+          <a:stretch>
+            <a:fillRect/>
+          </a:stretch>
+        </p:blipFill>
+        <p:spPr>
+          <a:xfrm>
+            <a:off x="4438665" y="47817"/>
+            <a:ext cx="3314670" cy="1657335"/>
+          </a:xfrm>
+          <a:prstGeom prst="rect">
+            <a:avLst/>
+          </a:prstGeom>
+        </p:spPr>
+      </p:pic>
+      <p:pic>
+        <p:nvPicPr>
+          <p:cNvPr id="8" name="Picture 7" descr="A picture containing shape&#10;&#10;Description automatically generated">
+            <a:extLst>
+              <a:ext uri="{FF2B5EF4-FFF2-40B4-BE49-F238E27FC236}">
+                <a16:creationId xmlns:a16="http://schemas.microsoft.com/office/drawing/2014/main" id="{B7C65A35-B062-4395-8694-9F3AFAB334FB}"/>
+              </a:ext>
+            </a:extLst>
+          </p:cNvPr>
+          <p:cNvPicPr>
+            <a:picLocks noChangeAspect="1"/>
+          </p:cNvPicPr>
+          <p:nvPr/>
+        </p:nvPicPr>
+        <p:blipFill rotWithShape="1">
+          <a:blip r:embed="rId4">
+            <a:extLst>
+              <a:ext uri="{28A0092B-C50C-407E-A947-70E740481C1C}">
+                <a14:useLocalDpi xmlns:a14="http://schemas.microsoft.com/office/drawing/2010/main" val="0"/>
+              </a:ext>
+            </a:extLst>
+          </a:blip>
+          <a:srcRect r="64396"/>
+          <a:stretch/>
+        </p:blipFill>
+        <p:spPr>
+          <a:xfrm>
+            <a:off x="966409" y="4799401"/>
+            <a:ext cx="2299305" cy="1371600"/>
+          </a:xfrm>
+          <a:prstGeom prst="rect">
+            <a:avLst/>
+          </a:prstGeom>
+        </p:spPr>
+      </p:pic>
+      <p:pic>
+        <p:nvPicPr>
+          <p:cNvPr id="10" name="Picture 9" descr="Text&#10;&#10;Description automatically generated with medium confidence">
+            <a:extLst>
+              <a:ext uri="{FF2B5EF4-FFF2-40B4-BE49-F238E27FC236}">
+                <a16:creationId xmlns:a16="http://schemas.microsoft.com/office/drawing/2014/main" id="{A76AC388-79E8-4440-B356-44AD12D2A3DA}"/>
+              </a:ext>
+            </a:extLst>
+          </p:cNvPr>
+          <p:cNvPicPr>
+            <a:picLocks noChangeAspect="1"/>
+          </p:cNvPicPr>
+          <p:nvPr/>
+        </p:nvPicPr>
+        <p:blipFill>
+          <a:blip r:embed="rId5">
+            <a:extLst>
+              <a:ext uri="{28A0092B-C50C-407E-A947-70E740481C1C}">
+                <a14:useLocalDpi xmlns:a14="http://schemas.microsoft.com/office/drawing/2010/main" val="0"/>
+              </a:ext>
+            </a:extLst>
+          </a:blip>
+          <a:stretch>
+            <a:fillRect/>
+          </a:stretch>
+        </p:blipFill>
+        <p:spPr>
+          <a:xfrm>
+            <a:off x="4876800" y="4342201"/>
+            <a:ext cx="6477000" cy="1828800"/>
+          </a:xfrm>
+          <a:prstGeom prst="rect">
+            <a:avLst/>
+          </a:prstGeom>
+        </p:spPr>
+      </p:pic>
+    </p:spTree>
+    <p:extLst>
+      <p:ext uri="{BB962C8B-B14F-4D97-AF65-F5344CB8AC3E}">
+        <p14:creationId xmlns:p14="http://schemas.microsoft.com/office/powerpoint/2010/main" val="2807158215"/>
+      </p:ext>
+    </p:extLst>
+  </p:cSld>
+  <p:clrMapOvr>
+    <a:masterClrMapping/>
+  </p:clrMapOvr>
+</p:sld>
+</file>
+
+<file path=ppt/slides/slide11.xml><?xml version="1.0" encoding="utf-8"?>
+<p:sld xmlns:a="http://schemas.openxmlformats.org/drawingml/2006/main" xmlns:r="http://schemas.openxmlformats.org/officeDocument/2006/relationships" xmlns:p="http://schemas.openxmlformats.org/presentationml/2006/main">
+  <p:cSld>
+    <p:spTree>
+      <p:nvGrpSpPr>
+        <p:cNvPr id="1" name=""/>
+        <p:cNvGrpSpPr/>
+        <p:nvPr/>
+      </p:nvGrpSpPr>
+      <p:grpSpPr>
+        <a:xfrm>
+          <a:off x="0" y="0"/>
+          <a:ext cx="0" cy="0"/>
+          <a:chOff x="0" y="0"/>
+          <a:chExt cx="0" cy="0"/>
+        </a:xfrm>
+      </p:grpSpPr>
+      <p:sp>
+        <p:nvSpPr>
+          <p:cNvPr id="2" name="Title 1">
+            <a:extLst>
+              <a:ext uri="{FF2B5EF4-FFF2-40B4-BE49-F238E27FC236}">
+                <a16:creationId xmlns:a16="http://schemas.microsoft.com/office/drawing/2014/main" id="{137EA8E7-F4DC-43BD-B19F-B49BCBDC67CD}"/>
+              </a:ext>
+            </a:extLst>
+          </p:cNvPr>
+          <p:cNvSpPr>
+            <a:spLocks noGrp="1"/>
+          </p:cNvSpPr>
+          <p:nvPr>
+            <p:ph type="title"/>
+          </p:nvPr>
+        </p:nvSpPr>
+        <p:spPr/>
+        <p:txBody>
+          <a:bodyPr/>
+          <a:lstStyle/>
+          <a:p>
+            <a:r>
+              <a:rPr lang="da-DK" dirty="0"/>
+              <a:t>Other frameworks</a:t>
+            </a:r>
+          </a:p>
+        </p:txBody>
+      </p:sp>
+      <p:sp>
+        <p:nvSpPr>
+          <p:cNvPr id="3" name="Content Placeholder 2">
+            <a:extLst>
+              <a:ext uri="{FF2B5EF4-FFF2-40B4-BE49-F238E27FC236}">
+                <a16:creationId xmlns:a16="http://schemas.microsoft.com/office/drawing/2014/main" id="{F38C3EFA-AFD8-45A3-B545-3954B06F7E17}"/>
+              </a:ext>
+            </a:extLst>
+          </p:cNvPr>
+          <p:cNvSpPr>
+            <a:spLocks noGrp="1"/>
+          </p:cNvSpPr>
+          <p:nvPr>
+            <p:ph idx="1"/>
+          </p:nvPr>
+        </p:nvSpPr>
+        <p:spPr/>
+        <p:txBody>
+          <a:bodyPr/>
+          <a:lstStyle/>
+          <a:p>
+            <a:endParaRPr lang="da-DK" dirty="0">
+              <a:hlinkClick r:id="rId2"/>
+            </a:endParaRPr>
+          </a:p>
+          <a:p>
+            <a:r>
+              <a:rPr lang="da-DK" dirty="0">
+                <a:hlinkClick r:id="rId2"/>
+              </a:rPr>
+              <a:t>https://github.com/IDSIA/sacred</a:t>
+            </a:r>
+            <a:endParaRPr lang="da-DK" dirty="0"/>
+          </a:p>
+          <a:p>
+            <a:endParaRPr lang="da-DK" dirty="0">
+              <a:hlinkClick r:id="rId3"/>
+            </a:endParaRPr>
+          </a:p>
+          <a:p>
+            <a:r>
+              <a:rPr lang="da-DK" dirty="0">
+                <a:hlinkClick r:id="rId3"/>
+              </a:rPr>
+              <a:t>https://mlflow.org/</a:t>
+            </a:r>
+            <a:endParaRPr lang="da-DK" dirty="0"/>
+          </a:p>
+          <a:p>
+            <a:endParaRPr lang="da-DK" dirty="0">
+              <a:hlinkClick r:id="rId4"/>
+            </a:endParaRPr>
+          </a:p>
+          <a:p>
+            <a:r>
+              <a:rPr lang="da-DK" dirty="0">
+                <a:hlinkClick r:id="rId4"/>
+              </a:rPr>
+              <a:t>https://wandb.ai/site</a:t>
+            </a:r>
+            <a:r>
+              <a:rPr lang="da-DK" dirty="0"/>
+              <a:t> (you already know this one)</a:t>
+            </a:r>
+          </a:p>
+          <a:p>
+            <a:endParaRPr lang="da-DK" dirty="0"/>
+          </a:p>
+        </p:txBody>
+      </p:sp>
+      <p:sp>
+        <p:nvSpPr>
+          <p:cNvPr id="4" name="Date Placeholder 3">
+            <a:extLst>
+              <a:ext uri="{FF2B5EF4-FFF2-40B4-BE49-F238E27FC236}">
+                <a16:creationId xmlns:a16="http://schemas.microsoft.com/office/drawing/2014/main" id="{E8518486-FFDB-4867-9F76-326C9BA339A4}"/>
+              </a:ext>
+            </a:extLst>
+          </p:cNvPr>
+          <p:cNvSpPr>
+            <a:spLocks noGrp="1"/>
+          </p:cNvSpPr>
+          <p:nvPr>
+            <p:ph type="dt" sz="half" idx="10"/>
+          </p:nvPr>
+        </p:nvSpPr>
+        <p:spPr/>
+        <p:txBody>
+          <a:bodyPr/>
+          <a:lstStyle/>
+          <a:p>
+            <a:fld id="{019E29B9-5584-4737-9C98-1B926378C778}" type="datetime1">
+              <a:rPr lang="en-US" smtClean="0"/>
+              <a:t>5/28/2021</a:t>
+            </a:fld>
+            <a:endParaRPr lang="da-DK"/>
+          </a:p>
+        </p:txBody>
+      </p:sp>
+      <p:sp>
+        <p:nvSpPr>
+          <p:cNvPr id="5" name="Footer Placeholder 4">
+            <a:extLst>
+              <a:ext uri="{FF2B5EF4-FFF2-40B4-BE49-F238E27FC236}">
+                <a16:creationId xmlns:a16="http://schemas.microsoft.com/office/drawing/2014/main" id="{7120C5F5-650D-4B22-9BC6-1B33E4EE3ACC}"/>
+              </a:ext>
+            </a:extLst>
+          </p:cNvPr>
+          <p:cNvSpPr>
+            <a:spLocks noGrp="1"/>
+          </p:cNvSpPr>
+          <p:nvPr>
+            <p:ph type="ftr" sz="quarter" idx="11"/>
+          </p:nvPr>
+        </p:nvSpPr>
+        <p:spPr/>
+        <p:txBody>
+          <a:bodyPr/>
+          <a:lstStyle/>
+          <a:p>
+            <a:r>
+              <a:rPr lang="da-DK"/>
+              <a:t>Nicki Skafte Detlefsen</a:t>
+            </a:r>
+          </a:p>
+        </p:txBody>
+      </p:sp>
+      <p:sp>
+        <p:nvSpPr>
+          <p:cNvPr id="6" name="Slide Number Placeholder 5">
+            <a:extLst>
+              <a:ext uri="{FF2B5EF4-FFF2-40B4-BE49-F238E27FC236}">
+                <a16:creationId xmlns:a16="http://schemas.microsoft.com/office/drawing/2014/main" id="{C7D46A3B-6ABF-4194-9779-703BF6E77D6E}"/>
+              </a:ext>
+            </a:extLst>
+          </p:cNvPr>
+          <p:cNvSpPr>
+            <a:spLocks noGrp="1"/>
+          </p:cNvSpPr>
+          <p:nvPr>
+            <p:ph type="sldNum" sz="quarter" idx="12"/>
+          </p:nvPr>
+        </p:nvSpPr>
+        <p:spPr/>
+        <p:txBody>
+          <a:bodyPr/>
+          <a:lstStyle/>
+          <a:p>
+            <a:fld id="{F6FEDE24-D50C-481B-A7B4-8AF13899101A}" type="slidenum">
+              <a:rPr lang="da-DK" smtClean="0"/>
+              <a:t>11</a:t>
+            </a:fld>
+            <a:endParaRPr lang="da-DK"/>
+          </a:p>
+        </p:txBody>
+      </p:sp>
+    </p:spTree>
+    <p:extLst>
+      <p:ext uri="{BB962C8B-B14F-4D97-AF65-F5344CB8AC3E}">
+        <p14:creationId xmlns:p14="http://schemas.microsoft.com/office/powerpoint/2010/main" val="4228679766"/>
+      </p:ext>
+    </p:extLst>
+  </p:cSld>
+  <p:clrMapOvr>
+    <a:masterClrMapping/>
+  </p:clrMapOvr>
+</p:sld>
+</file>
+
+<file path=ppt/slides/slide12.xml><?xml version="1.0" encoding="utf-8"?>
+<p:sld xmlns:a="http://schemas.openxmlformats.org/drawingml/2006/main" xmlns:r="http://schemas.openxmlformats.org/officeDocument/2006/relationships" xmlns:p="http://schemas.openxmlformats.org/presentationml/2006/main">
+  <p:cSld>
+    <p:spTree>
+      <p:nvGrpSpPr>
+        <p:cNvPr id="1" name=""/>
+        <p:cNvGrpSpPr/>
+        <p:nvPr/>
+      </p:nvGrpSpPr>
+      <p:grpSpPr>
+        <a:xfrm>
+          <a:off x="0" y="0"/>
+          <a:ext cx="0" cy="0"/>
+          <a:chOff x="0" y="0"/>
+          <a:chExt cx="0" cy="0"/>
+        </a:xfrm>
+      </p:grpSpPr>
+      <p:sp>
+        <p:nvSpPr>
+          <p:cNvPr id="2" name="Title 1">
+            <a:extLst>
+              <a:ext uri="{FF2B5EF4-FFF2-40B4-BE49-F238E27FC236}">
+                <a16:creationId xmlns:a16="http://schemas.microsoft.com/office/drawing/2014/main" id="{127853A8-BEFE-49B1-9EED-912729E28F9A}"/>
+              </a:ext>
+            </a:extLst>
+          </p:cNvPr>
+          <p:cNvSpPr>
+            <a:spLocks noGrp="1"/>
+          </p:cNvSpPr>
+          <p:nvPr>
+            <p:ph type="title"/>
+          </p:nvPr>
+        </p:nvSpPr>
+        <p:spPr/>
+        <p:txBody>
+          <a:bodyPr/>
+          <a:lstStyle/>
+          <a:p>
+            <a:r>
+              <a:rPr lang="da-DK" dirty="0"/>
+              <a:t>Meme of the day</a:t>
+            </a:r>
+          </a:p>
+        </p:txBody>
+      </p:sp>
+      <p:pic>
+        <p:nvPicPr>
+          <p:cNvPr id="8" name="Content Placeholder 7">
+            <a:extLst>
+              <a:ext uri="{FF2B5EF4-FFF2-40B4-BE49-F238E27FC236}">
+                <a16:creationId xmlns:a16="http://schemas.microsoft.com/office/drawing/2014/main" id="{AA224218-8412-4636-B833-730FFA15090E}"/>
+              </a:ext>
+            </a:extLst>
+          </p:cNvPr>
+          <p:cNvPicPr>
+            <a:picLocks noGrp="1" noChangeAspect="1"/>
+          </p:cNvPicPr>
+          <p:nvPr>
+            <p:ph idx="1"/>
+          </p:nvPr>
+        </p:nvPicPr>
+        <p:blipFill rotWithShape="1">
+          <a:blip r:embed="rId2">
+            <a:extLst>
+              <a:ext uri="{28A0092B-C50C-407E-A947-70E740481C1C}">
+                <a14:useLocalDpi xmlns:a14="http://schemas.microsoft.com/office/drawing/2010/main" val="0"/>
+              </a:ext>
+            </a:extLst>
+          </a:blip>
+          <a:srcRect l="1242" r="1874"/>
+          <a:stretch/>
+        </p:blipFill>
+        <p:spPr>
+          <a:xfrm>
+            <a:off x="4331693" y="864246"/>
+            <a:ext cx="3461679" cy="5724486"/>
+          </a:xfrm>
+        </p:spPr>
+      </p:pic>
+      <p:sp>
+        <p:nvSpPr>
+          <p:cNvPr id="4" name="Date Placeholder 3">
+            <a:extLst>
+              <a:ext uri="{FF2B5EF4-FFF2-40B4-BE49-F238E27FC236}">
+                <a16:creationId xmlns:a16="http://schemas.microsoft.com/office/drawing/2014/main" id="{58D298BC-82B3-4328-90DE-40BCFBDE23C3}"/>
+              </a:ext>
+            </a:extLst>
+          </p:cNvPr>
+          <p:cNvSpPr>
+            <a:spLocks noGrp="1"/>
+          </p:cNvSpPr>
+          <p:nvPr>
+            <p:ph type="dt" sz="half" idx="10"/>
+          </p:nvPr>
+        </p:nvSpPr>
+        <p:spPr/>
+        <p:txBody>
+          <a:bodyPr/>
+          <a:lstStyle/>
+          <a:p>
+            <a:fld id="{019E29B9-5584-4737-9C98-1B926378C778}" type="datetime1">
+              <a:rPr lang="en-US" smtClean="0"/>
+              <a:t>5/28/2021</a:t>
+            </a:fld>
+            <a:endParaRPr lang="da-DK"/>
+          </a:p>
+        </p:txBody>
+      </p:sp>
+      <p:sp>
+        <p:nvSpPr>
+          <p:cNvPr id="5" name="Footer Placeholder 4">
+            <a:extLst>
+              <a:ext uri="{FF2B5EF4-FFF2-40B4-BE49-F238E27FC236}">
+                <a16:creationId xmlns:a16="http://schemas.microsoft.com/office/drawing/2014/main" id="{D4BD9CCA-658A-4656-9130-18CDBF930570}"/>
+              </a:ext>
+            </a:extLst>
+          </p:cNvPr>
+          <p:cNvSpPr>
+            <a:spLocks noGrp="1"/>
+          </p:cNvSpPr>
+          <p:nvPr>
+            <p:ph type="ftr" sz="quarter" idx="11"/>
+          </p:nvPr>
+        </p:nvSpPr>
+        <p:spPr/>
+        <p:txBody>
+          <a:bodyPr/>
+          <a:lstStyle/>
+          <a:p>
+            <a:r>
+              <a:rPr lang="da-DK"/>
+              <a:t>Nicki Skafte Detlefsen</a:t>
+            </a:r>
+          </a:p>
+        </p:txBody>
+      </p:sp>
+      <p:sp>
+        <p:nvSpPr>
+          <p:cNvPr id="6" name="Slide Number Placeholder 5">
+            <a:extLst>
+              <a:ext uri="{FF2B5EF4-FFF2-40B4-BE49-F238E27FC236}">
+                <a16:creationId xmlns:a16="http://schemas.microsoft.com/office/drawing/2014/main" id="{9DD3A813-5E73-44EC-9DCA-BF606A596DF9}"/>
+              </a:ext>
+            </a:extLst>
+          </p:cNvPr>
+          <p:cNvSpPr>
+            <a:spLocks noGrp="1"/>
+          </p:cNvSpPr>
+          <p:nvPr>
+            <p:ph type="sldNum" sz="quarter" idx="12"/>
+          </p:nvPr>
+        </p:nvSpPr>
+        <p:spPr/>
+        <p:txBody>
+          <a:bodyPr/>
+          <a:lstStyle/>
+          <a:p>
+            <a:fld id="{F6FEDE24-D50C-481B-A7B4-8AF13899101A}" type="slidenum">
+              <a:rPr lang="da-DK" smtClean="0"/>
+              <a:t>12</a:t>
+            </a:fld>
+            <a:endParaRPr lang="da-DK"/>
+          </a:p>
+        </p:txBody>
+      </p:sp>
+    </p:spTree>
+    <p:extLst>
+      <p:ext uri="{BB962C8B-B14F-4D97-AF65-F5344CB8AC3E}">
+        <p14:creationId xmlns:p14="http://schemas.microsoft.com/office/powerpoint/2010/main" val="23490720"/>
+      </p:ext>
+    </p:extLst>
+  </p:cSld>
+  <p:clrMapOvr>
+    <a:masterClrMapping/>
+  </p:clrMapOvr>
+</p:sld>
+</file>
+
 <file path=ppt/slides/slide2.xml><?xml version="1.0" encoding="utf-8"?>
 <p:sld xmlns:a="http://schemas.openxmlformats.org/drawingml/2006/main" xmlns:r="http://schemas.openxmlformats.org/officeDocument/2006/relationships" xmlns:p="http://schemas.openxmlformats.org/presentationml/2006/main">
   <p:cSld>
@@ -9222,7 +9920,7 @@
           <a:p>
             <a:fld id="{019E29B9-5584-4737-9C98-1B926378C778}" type="datetime1">
               <a:rPr lang="en-US" smtClean="0"/>
-              <a:t>5/5/2021</a:t>
+              <a:t>5/28/2021</a:t>
             </a:fld>
             <a:endParaRPr lang="da-DK"/>
           </a:p>
@@ -9517,7 +10215,7 @@
           <p:cNvPr id="2" name="Title 1">
             <a:extLst>
               <a:ext uri="{FF2B5EF4-FFF2-40B4-BE49-F238E27FC236}">
-                <a16:creationId xmlns:a16="http://schemas.microsoft.com/office/drawing/2014/main" id="{4F4ADC5D-1759-4FF3-AD74-4E6363AB8D3B}"/>
+                <a16:creationId xmlns:a16="http://schemas.microsoft.com/office/drawing/2014/main" id="{B78D1520-F227-45A0-A452-5CE68CEFC737}"/>
               </a:ext>
             </a:extLst>
           </p:cNvPr>
@@ -9535,7 +10233,7 @@
           <a:p>
             <a:r>
               <a:rPr lang="da-DK" dirty="0"/>
-              <a:t>How bad is it?</a:t>
+              <a:t>Why do we need reproduceability at all?</a:t>
             </a:r>
           </a:p>
         </p:txBody>
@@ -9545,7 +10243,7 @@
           <p:cNvPr id="3" name="Content Placeholder 2">
             <a:extLst>
               <a:ext uri="{FF2B5EF4-FFF2-40B4-BE49-F238E27FC236}">
-                <a16:creationId xmlns:a16="http://schemas.microsoft.com/office/drawing/2014/main" id="{EE87017C-96A2-405C-8796-47F576C2409F}"/>
+                <a16:creationId xmlns:a16="http://schemas.microsoft.com/office/drawing/2014/main" id="{68A69F30-680E-4A69-A902-1881249DAD14}"/>
               </a:ext>
             </a:extLst>
           </p:cNvPr>
@@ -9556,7 +10254,12 @@
             <p:ph idx="1"/>
           </p:nvPr>
         </p:nvSpPr>
-        <p:spPr/>
+        <p:spPr>
+          <a:xfrm>
+            <a:off x="838199" y="1343608"/>
+            <a:ext cx="5378043" cy="4833355"/>
+          </a:xfrm>
+        </p:spPr>
         <p:txBody>
           <a:bodyPr/>
           <a:lstStyle/>
@@ -9566,7 +10269,41 @@
             </a:pPr>
             <a:r>
               <a:rPr lang="da-DK" dirty="0"/>
-              <a:t>Wow its bad...</a:t>
+              <a:t>Reproduceability is a key component in </a:t>
+            </a:r>
+            <a:r>
+              <a:rPr lang="da-DK" i="1" dirty="0"/>
+              <a:t>Trustworthy ML</a:t>
+            </a:r>
+          </a:p>
+          <a:p>
+            <a:pPr marL="0" indent="0" algn="ctr">
+              <a:buNone/>
+            </a:pPr>
+            <a:endParaRPr lang="da-DK" dirty="0"/>
+          </a:p>
+          <a:p>
+            <a:pPr marL="0" indent="0" algn="ctr">
+              <a:buNone/>
+            </a:pPr>
+            <a:endParaRPr lang="da-DK" dirty="0"/>
+          </a:p>
+          <a:p>
+            <a:pPr marL="0" indent="0">
+              <a:buNone/>
+            </a:pPr>
+            <a:r>
+              <a:rPr lang="da-DK" u="sng" dirty="0"/>
+              <a:t>Case: </a:t>
+            </a:r>
+          </a:p>
+          <a:p>
+            <a:pPr marL="0" indent="0">
+              <a:buNone/>
+            </a:pPr>
+            <a:r>
+              <a:rPr lang="da-DK" dirty="0"/>
+              <a:t>Imaging an AI agent used for dinostics. Without reproduceability two persons with the exact same symtomes could get different diagnosis</a:t>
             </a:r>
           </a:p>
         </p:txBody>
@@ -9576,7 +10313,7 @@
           <p:cNvPr id="4" name="Date Placeholder 3">
             <a:extLst>
               <a:ext uri="{FF2B5EF4-FFF2-40B4-BE49-F238E27FC236}">
-                <a16:creationId xmlns:a16="http://schemas.microsoft.com/office/drawing/2014/main" id="{CC95FC45-EA11-443E-AF10-24A48AA04FAB}"/>
+                <a16:creationId xmlns:a16="http://schemas.microsoft.com/office/drawing/2014/main" id="{BF011858-F6E4-462F-A1A5-D3A0CBE5B5C7}"/>
               </a:ext>
             </a:extLst>
           </p:cNvPr>
@@ -9594,7 +10331,7 @@
           <a:p>
             <a:fld id="{019E29B9-5584-4737-9C98-1B926378C778}" type="datetime1">
               <a:rPr lang="en-US" smtClean="0"/>
-              <a:t>5/5/2021</a:t>
+              <a:t>5/28/2021</a:t>
             </a:fld>
             <a:endParaRPr lang="da-DK"/>
           </a:p>
@@ -9605,7 +10342,7 @@
           <p:cNvPr id="5" name="Footer Placeholder 4">
             <a:extLst>
               <a:ext uri="{FF2B5EF4-FFF2-40B4-BE49-F238E27FC236}">
-                <a16:creationId xmlns:a16="http://schemas.microsoft.com/office/drawing/2014/main" id="{CA2EDF50-82AB-43BF-8ADA-5C7B4F35C624}"/>
+                <a16:creationId xmlns:a16="http://schemas.microsoft.com/office/drawing/2014/main" id="{D3E718E0-B526-4688-A9A8-C8BD34115241}"/>
               </a:ext>
             </a:extLst>
           </p:cNvPr>
@@ -9633,7 +10370,7 @@
           <p:cNvPr id="6" name="Slide Number Placeholder 5">
             <a:extLst>
               <a:ext uri="{FF2B5EF4-FFF2-40B4-BE49-F238E27FC236}">
-                <a16:creationId xmlns:a16="http://schemas.microsoft.com/office/drawing/2014/main" id="{BBCF1445-FA06-45E0-A6F0-A1A7CCD3C2BF}"/>
+                <a16:creationId xmlns:a16="http://schemas.microsoft.com/office/drawing/2014/main" id="{F9554614-DB84-46A0-A7B4-A0DB09E20ECA}"/>
               </a:ext>
             </a:extLst>
           </p:cNvPr>
@@ -9659,10 +10396,10 @@
       </p:sp>
       <p:pic>
         <p:nvPicPr>
-          <p:cNvPr id="8" name="Picture 7">
-            <a:extLst>
-              <a:ext uri="{FF2B5EF4-FFF2-40B4-BE49-F238E27FC236}">
-                <a16:creationId xmlns:a16="http://schemas.microsoft.com/office/drawing/2014/main" id="{8C771C8E-18FC-4113-98B6-009624DC9D35}"/>
+          <p:cNvPr id="8" name="Picture 7" descr="Diagram&#10;&#10;Description automatically generated">
+            <a:extLst>
+              <a:ext uri="{FF2B5EF4-FFF2-40B4-BE49-F238E27FC236}">
+                <a16:creationId xmlns:a16="http://schemas.microsoft.com/office/drawing/2014/main" id="{00F564B3-C29C-492D-A0F1-33163CF7BB3A}"/>
               </a:ext>
             </a:extLst>
           </p:cNvPr>
@@ -9671,7 +10408,7 @@
           </p:cNvPicPr>
           <p:nvPr/>
         </p:nvPicPr>
-        <p:blipFill>
+        <p:blipFill rotWithShape="1">
           <a:blip r:embed="rId2">
             <a:extLst>
               <a:ext uri="{28A0092B-C50C-407E-A947-70E740481C1C}">
@@ -9679,14 +10416,13 @@
               </a:ext>
             </a:extLst>
           </a:blip>
-          <a:stretch>
-            <a:fillRect/>
-          </a:stretch>
+          <a:srcRect t="4503"/>
+          <a:stretch/>
         </p:blipFill>
         <p:spPr>
           <a:xfrm>
-            <a:off x="1771046" y="2131739"/>
-            <a:ext cx="8649907" cy="3915321"/>
+            <a:off x="6075583" y="1208692"/>
+            <a:ext cx="5850212" cy="4856206"/>
           </a:xfrm>
           <a:prstGeom prst="rect">
             <a:avLst/>
@@ -9695,10 +10431,10 @@
       </p:pic>
       <p:sp>
         <p:nvSpPr>
-          <p:cNvPr id="10" name="TextBox 9">
-            <a:extLst>
-              <a:ext uri="{FF2B5EF4-FFF2-40B4-BE49-F238E27FC236}">
-                <a16:creationId xmlns:a16="http://schemas.microsoft.com/office/drawing/2014/main" id="{D488CF05-6AC9-4979-A91F-7ECA7FE1A531}"/>
+          <p:cNvPr id="9" name="TextBox 8">
+            <a:extLst>
+              <a:ext uri="{FF2B5EF4-FFF2-40B4-BE49-F238E27FC236}">
+                <a16:creationId xmlns:a16="http://schemas.microsoft.com/office/drawing/2014/main" id="{FF24478C-8520-41EB-89D2-7CA997087D9A}"/>
               </a:ext>
             </a:extLst>
           </p:cNvPr>
@@ -9707,8 +10443,8 @@
         </p:nvSpPr>
         <p:spPr>
           <a:xfrm>
-            <a:off x="2115154" y="6041781"/>
-            <a:ext cx="8305799" cy="369332"/>
+            <a:off x="6426310" y="5990369"/>
+            <a:ext cx="5217610" cy="253916"/>
           </a:xfrm>
           <a:prstGeom prst="rect">
             <a:avLst/>
@@ -9716,26 +10452,32 @@
           <a:noFill/>
         </p:spPr>
         <p:txBody>
-          <a:bodyPr wrap="square">
+          <a:bodyPr wrap="square" rtlCol="0">
             <a:spAutoFit/>
           </a:bodyPr>
           <a:lstStyle/>
           <a:p>
             <a:r>
-              <a:rPr lang="da-DK" b="0" dirty="0">
-                <a:effectLst/>
+              <a:rPr lang="da-DK" sz="1050" dirty="0"/>
+              <a:t>From </a:t>
+            </a:r>
+            <a:r>
+              <a:rPr lang="da-DK" sz="1050" dirty="0">
                 <a:hlinkClick r:id="rId3"/>
               </a:rPr>
-              <a:t>https://www.nature.com/news/1-500-scientists-lift-the-lid-on-reproducibility-1.19970</a:t>
-            </a:r>
-            <a:endParaRPr lang="da-DK" dirty="0"/>
+              <a:t>https://towardsdatascience.com/reproducible-machine-learning-cf1841606805</a:t>
+            </a:r>
+            <a:r>
+              <a:rPr lang="da-DK" sz="1050" dirty="0"/>
+              <a:t> </a:t>
+            </a:r>
           </a:p>
         </p:txBody>
       </p:sp>
     </p:spTree>
     <p:extLst>
       <p:ext uri="{BB962C8B-B14F-4D97-AF65-F5344CB8AC3E}">
-        <p14:creationId xmlns:p14="http://schemas.microsoft.com/office/powerpoint/2010/main" val="1491635178"/>
+        <p14:creationId xmlns:p14="http://schemas.microsoft.com/office/powerpoint/2010/main" val="195552452"/>
       </p:ext>
     </p:extLst>
   </p:cSld>
@@ -9767,7 +10509,7 @@
           <p:cNvPr id="2" name="Title 1">
             <a:extLst>
               <a:ext uri="{FF2B5EF4-FFF2-40B4-BE49-F238E27FC236}">
-                <a16:creationId xmlns:a16="http://schemas.microsoft.com/office/drawing/2014/main" id="{B4FE2F94-B2F7-4E78-BB1E-945C249F7D86}"/>
+                <a16:creationId xmlns:a16="http://schemas.microsoft.com/office/drawing/2014/main" id="{4F4ADC5D-1759-4FF3-AD74-4E6363AB8D3B}"/>
               </a:ext>
             </a:extLst>
           </p:cNvPr>
@@ -9785,7 +10527,7 @@
           <a:p>
             <a:r>
               <a:rPr lang="da-DK" dirty="0"/>
-              <a:t>What can we do about it</a:t>
+              <a:t>How bad is it?</a:t>
             </a:r>
           </a:p>
         </p:txBody>
@@ -9795,7 +10537,7 @@
           <p:cNvPr id="3" name="Content Placeholder 2">
             <a:extLst>
               <a:ext uri="{FF2B5EF4-FFF2-40B4-BE49-F238E27FC236}">
-                <a16:creationId xmlns:a16="http://schemas.microsoft.com/office/drawing/2014/main" id="{DFAD2168-C8BA-4BFC-87B5-83CB54C8923C}"/>
+                <a16:creationId xmlns:a16="http://schemas.microsoft.com/office/drawing/2014/main" id="{EE87017C-96A2-405C-8796-47F576C2409F}"/>
               </a:ext>
             </a:extLst>
           </p:cNvPr>
@@ -9806,6 +10548,804 @@
             <p:ph idx="1"/>
           </p:nvPr>
         </p:nvSpPr>
+        <p:spPr/>
+        <p:txBody>
+          <a:bodyPr>
+            <a:normAutofit/>
+          </a:bodyPr>
+          <a:lstStyle/>
+          <a:p>
+            <a:pPr marL="0" indent="0">
+              <a:buNone/>
+            </a:pPr>
+            <a:r>
+              <a:rPr lang="da-DK" dirty="0"/>
+              <a:t>Wow its bad...</a:t>
+            </a:r>
+          </a:p>
+          <a:p>
+            <a:pPr marL="0" indent="0">
+              <a:buNone/>
+            </a:pPr>
+            <a:endParaRPr lang="da-DK" dirty="0"/>
+          </a:p>
+          <a:p>
+            <a:pPr marL="0" indent="0">
+              <a:buNone/>
+            </a:pPr>
+            <a:endParaRPr lang="da-DK" dirty="0"/>
+          </a:p>
+          <a:p>
+            <a:pPr marL="0" indent="0">
+              <a:buNone/>
+            </a:pPr>
+            <a:endParaRPr lang="da-DK" dirty="0"/>
+          </a:p>
+          <a:p>
+            <a:pPr marL="0" indent="0">
+              <a:buNone/>
+            </a:pPr>
+            <a:endParaRPr lang="da-DK" dirty="0"/>
+          </a:p>
+          <a:p>
+            <a:pPr marL="0" indent="0">
+              <a:buNone/>
+            </a:pPr>
+            <a:endParaRPr lang="da-DK" dirty="0"/>
+          </a:p>
+          <a:p>
+            <a:pPr marL="0" indent="0">
+              <a:buNone/>
+            </a:pPr>
+            <a:endParaRPr lang="da-DK" dirty="0"/>
+          </a:p>
+          <a:p>
+            <a:pPr marL="0" indent="0">
+              <a:buNone/>
+            </a:pPr>
+            <a:endParaRPr lang="da-DK" dirty="0"/>
+          </a:p>
+          <a:p>
+            <a:pPr marL="0" indent="0">
+              <a:buNone/>
+            </a:pPr>
+            <a:r>
+              <a:rPr lang="da-DK" dirty="0"/>
+              <a:t>Machine learning around 26% </a:t>
+            </a:r>
+            <a:r>
+              <a:rPr lang="da-DK" sz="1400" dirty="0"/>
+              <a:t>(</a:t>
+            </a:r>
+            <a:r>
+              <a:rPr lang="da-DK" sz="1400" dirty="0">
+                <a:hlinkClick r:id="rId2"/>
+              </a:rPr>
+              <a:t>https://www.aaai.org/GuideBook2018/17248-73943-GB.pdf</a:t>
+            </a:r>
+            <a:r>
+              <a:rPr lang="da-DK" sz="1400" dirty="0"/>
+              <a:t>) </a:t>
+            </a:r>
+            <a:endParaRPr lang="da-DK" dirty="0"/>
+          </a:p>
+        </p:txBody>
+      </p:sp>
+      <p:sp>
+        <p:nvSpPr>
+          <p:cNvPr id="4" name="Date Placeholder 3">
+            <a:extLst>
+              <a:ext uri="{FF2B5EF4-FFF2-40B4-BE49-F238E27FC236}">
+                <a16:creationId xmlns:a16="http://schemas.microsoft.com/office/drawing/2014/main" id="{CC95FC45-EA11-443E-AF10-24A48AA04FAB}"/>
+              </a:ext>
+            </a:extLst>
+          </p:cNvPr>
+          <p:cNvSpPr>
+            <a:spLocks noGrp="1"/>
+          </p:cNvSpPr>
+          <p:nvPr>
+            <p:ph type="dt" sz="half" idx="10"/>
+          </p:nvPr>
+        </p:nvSpPr>
+        <p:spPr/>
+        <p:txBody>
+          <a:bodyPr/>
+          <a:lstStyle/>
+          <a:p>
+            <a:fld id="{019E29B9-5584-4737-9C98-1B926378C778}" type="datetime1">
+              <a:rPr lang="en-US" smtClean="0"/>
+              <a:t>5/28/2021</a:t>
+            </a:fld>
+            <a:endParaRPr lang="da-DK"/>
+          </a:p>
+        </p:txBody>
+      </p:sp>
+      <p:sp>
+        <p:nvSpPr>
+          <p:cNvPr id="5" name="Footer Placeholder 4">
+            <a:extLst>
+              <a:ext uri="{FF2B5EF4-FFF2-40B4-BE49-F238E27FC236}">
+                <a16:creationId xmlns:a16="http://schemas.microsoft.com/office/drawing/2014/main" id="{CA2EDF50-82AB-43BF-8ADA-5C7B4F35C624}"/>
+              </a:ext>
+            </a:extLst>
+          </p:cNvPr>
+          <p:cNvSpPr>
+            <a:spLocks noGrp="1"/>
+          </p:cNvSpPr>
+          <p:nvPr>
+            <p:ph type="ftr" sz="quarter" idx="11"/>
+          </p:nvPr>
+        </p:nvSpPr>
+        <p:spPr/>
+        <p:txBody>
+          <a:bodyPr/>
+          <a:lstStyle/>
+          <a:p>
+            <a:r>
+              <a:rPr lang="da-DK"/>
+              <a:t>Nicki Skafte Detlefsen</a:t>
+            </a:r>
+          </a:p>
+        </p:txBody>
+      </p:sp>
+      <p:sp>
+        <p:nvSpPr>
+          <p:cNvPr id="6" name="Slide Number Placeholder 5">
+            <a:extLst>
+              <a:ext uri="{FF2B5EF4-FFF2-40B4-BE49-F238E27FC236}">
+                <a16:creationId xmlns:a16="http://schemas.microsoft.com/office/drawing/2014/main" id="{BBCF1445-FA06-45E0-A6F0-A1A7CCD3C2BF}"/>
+              </a:ext>
+            </a:extLst>
+          </p:cNvPr>
+          <p:cNvSpPr>
+            <a:spLocks noGrp="1"/>
+          </p:cNvSpPr>
+          <p:nvPr>
+            <p:ph type="sldNum" sz="quarter" idx="12"/>
+          </p:nvPr>
+        </p:nvSpPr>
+        <p:spPr/>
+        <p:txBody>
+          <a:bodyPr/>
+          <a:lstStyle/>
+          <a:p>
+            <a:fld id="{F6FEDE24-D50C-481B-A7B4-8AF13899101A}" type="slidenum">
+              <a:rPr lang="da-DK" smtClean="0"/>
+              <a:t>4</a:t>
+            </a:fld>
+            <a:endParaRPr lang="da-DK"/>
+          </a:p>
+        </p:txBody>
+      </p:sp>
+      <p:pic>
+        <p:nvPicPr>
+          <p:cNvPr id="8" name="Picture 7">
+            <a:extLst>
+              <a:ext uri="{FF2B5EF4-FFF2-40B4-BE49-F238E27FC236}">
+                <a16:creationId xmlns:a16="http://schemas.microsoft.com/office/drawing/2014/main" id="{8C771C8E-18FC-4113-98B6-009624DC9D35}"/>
+              </a:ext>
+            </a:extLst>
+          </p:cNvPr>
+          <p:cNvPicPr>
+            <a:picLocks noChangeAspect="1"/>
+          </p:cNvPicPr>
+          <p:nvPr/>
+        </p:nvPicPr>
+        <p:blipFill>
+          <a:blip r:embed="rId3">
+            <a:extLst>
+              <a:ext uri="{28A0092B-C50C-407E-A947-70E740481C1C}">
+                <a14:useLocalDpi xmlns:a14="http://schemas.microsoft.com/office/drawing/2010/main" val="0"/>
+              </a:ext>
+            </a:extLst>
+          </a:blip>
+          <a:stretch>
+            <a:fillRect/>
+          </a:stretch>
+        </p:blipFill>
+        <p:spPr>
+          <a:xfrm>
+            <a:off x="2833167" y="1768591"/>
+            <a:ext cx="6525666" cy="2953798"/>
+          </a:xfrm>
+          <a:prstGeom prst="rect">
+            <a:avLst/>
+          </a:prstGeom>
+        </p:spPr>
+      </p:pic>
+      <p:sp>
+        <p:nvSpPr>
+          <p:cNvPr id="10" name="TextBox 9">
+            <a:extLst>
+              <a:ext uri="{FF2B5EF4-FFF2-40B4-BE49-F238E27FC236}">
+                <a16:creationId xmlns:a16="http://schemas.microsoft.com/office/drawing/2014/main" id="{D488CF05-6AC9-4979-A91F-7ECA7FE1A531}"/>
+              </a:ext>
+            </a:extLst>
+          </p:cNvPr>
+          <p:cNvSpPr txBox="1"/>
+          <p:nvPr/>
+        </p:nvSpPr>
+        <p:spPr>
+          <a:xfrm>
+            <a:off x="2081598" y="4717110"/>
+            <a:ext cx="8305799" cy="369332"/>
+          </a:xfrm>
+          <a:prstGeom prst="rect">
+            <a:avLst/>
+          </a:prstGeom>
+          <a:noFill/>
+        </p:spPr>
+        <p:txBody>
+          <a:bodyPr wrap="square">
+            <a:spAutoFit/>
+          </a:bodyPr>
+          <a:lstStyle/>
+          <a:p>
+            <a:r>
+              <a:rPr lang="da-DK" b="0" dirty="0">
+                <a:effectLst/>
+                <a:hlinkClick r:id="rId4"/>
+              </a:rPr>
+              <a:t>https://www.nature.com/news/1-500-scientists-lift-the-lid-on-reproducibility-1.19970</a:t>
+            </a:r>
+            <a:endParaRPr lang="da-DK" dirty="0"/>
+          </a:p>
+        </p:txBody>
+      </p:sp>
+    </p:spTree>
+    <p:extLst>
+      <p:ext uri="{BB962C8B-B14F-4D97-AF65-F5344CB8AC3E}">
+        <p14:creationId xmlns:p14="http://schemas.microsoft.com/office/powerpoint/2010/main" val="1491635178"/>
+      </p:ext>
+    </p:extLst>
+  </p:cSld>
+  <p:clrMapOvr>
+    <a:masterClrMapping/>
+  </p:clrMapOvr>
+</p:sld>
+</file>
+
+<file path=ppt/slides/slide5.xml><?xml version="1.0" encoding="utf-8"?>
+<p:sld xmlns:a="http://schemas.openxmlformats.org/drawingml/2006/main" xmlns:r="http://schemas.openxmlformats.org/officeDocument/2006/relationships" xmlns:p="http://schemas.openxmlformats.org/presentationml/2006/main">
+  <p:cSld>
+    <p:spTree>
+      <p:nvGrpSpPr>
+        <p:cNvPr id="1" name=""/>
+        <p:cNvGrpSpPr/>
+        <p:nvPr/>
+      </p:nvGrpSpPr>
+      <p:grpSpPr>
+        <a:xfrm>
+          <a:off x="0" y="0"/>
+          <a:ext cx="0" cy="0"/>
+          <a:chOff x="0" y="0"/>
+          <a:chExt cx="0" cy="0"/>
+        </a:xfrm>
+      </p:grpSpPr>
+      <p:sp>
+        <p:nvSpPr>
+          <p:cNvPr id="2" name="Title 1">
+            <a:extLst>
+              <a:ext uri="{FF2B5EF4-FFF2-40B4-BE49-F238E27FC236}">
+                <a16:creationId xmlns:a16="http://schemas.microsoft.com/office/drawing/2014/main" id="{8AA4412B-4F4F-4F30-ABFA-C70120097C62}"/>
+              </a:ext>
+            </a:extLst>
+          </p:cNvPr>
+          <p:cNvSpPr>
+            <a:spLocks noGrp="1"/>
+          </p:cNvSpPr>
+          <p:nvPr>
+            <p:ph type="title"/>
+          </p:nvPr>
+        </p:nvSpPr>
+        <p:spPr/>
+        <p:txBody>
+          <a:bodyPr/>
+          <a:lstStyle/>
+          <a:p>
+            <a:r>
+              <a:rPr lang="da-DK" dirty="0"/>
+              <a:t>A closer look a machine learning</a:t>
+            </a:r>
+          </a:p>
+        </p:txBody>
+      </p:sp>
+      <p:sp>
+        <p:nvSpPr>
+          <p:cNvPr id="3" name="Content Placeholder 2">
+            <a:extLst>
+              <a:ext uri="{FF2B5EF4-FFF2-40B4-BE49-F238E27FC236}">
+                <a16:creationId xmlns:a16="http://schemas.microsoft.com/office/drawing/2014/main" id="{25301CB3-7AF8-4977-B266-8E86251C2119}"/>
+              </a:ext>
+            </a:extLst>
+          </p:cNvPr>
+          <p:cNvSpPr>
+            <a:spLocks noGrp="1"/>
+          </p:cNvSpPr>
+          <p:nvPr>
+            <p:ph idx="1"/>
+          </p:nvPr>
+        </p:nvSpPr>
+        <p:spPr>
+          <a:xfrm>
+            <a:off x="838200" y="1343608"/>
+            <a:ext cx="6963561" cy="4833355"/>
+          </a:xfrm>
+        </p:spPr>
+        <p:txBody>
+          <a:bodyPr/>
+          <a:lstStyle/>
+          <a:p>
+            <a:pPr marL="0" indent="0">
+              <a:buNone/>
+            </a:pPr>
+            <a:r>
+              <a:rPr lang="da-DK" dirty="0"/>
+              <a:t>Reimplement 255 and do hypothesis testing on what ”paper features” have an effect</a:t>
+            </a:r>
+          </a:p>
+        </p:txBody>
+      </p:sp>
+      <p:sp>
+        <p:nvSpPr>
+          <p:cNvPr id="4" name="Date Placeholder 3">
+            <a:extLst>
+              <a:ext uri="{FF2B5EF4-FFF2-40B4-BE49-F238E27FC236}">
+                <a16:creationId xmlns:a16="http://schemas.microsoft.com/office/drawing/2014/main" id="{AB7FD719-F9D5-4F4E-A978-0DD3D985E679}"/>
+              </a:ext>
+            </a:extLst>
+          </p:cNvPr>
+          <p:cNvSpPr>
+            <a:spLocks noGrp="1"/>
+          </p:cNvSpPr>
+          <p:nvPr>
+            <p:ph type="dt" sz="half" idx="10"/>
+          </p:nvPr>
+        </p:nvSpPr>
+        <p:spPr/>
+        <p:txBody>
+          <a:bodyPr/>
+          <a:lstStyle/>
+          <a:p>
+            <a:fld id="{019E29B9-5584-4737-9C98-1B926378C778}" type="datetime1">
+              <a:rPr lang="en-US" smtClean="0"/>
+              <a:t>5/28/2021</a:t>
+            </a:fld>
+            <a:endParaRPr lang="da-DK"/>
+          </a:p>
+        </p:txBody>
+      </p:sp>
+      <p:sp>
+        <p:nvSpPr>
+          <p:cNvPr id="5" name="Footer Placeholder 4">
+            <a:extLst>
+              <a:ext uri="{FF2B5EF4-FFF2-40B4-BE49-F238E27FC236}">
+                <a16:creationId xmlns:a16="http://schemas.microsoft.com/office/drawing/2014/main" id="{C3725D9D-5C98-48D9-BF64-307CA6247E7D}"/>
+              </a:ext>
+            </a:extLst>
+          </p:cNvPr>
+          <p:cNvSpPr>
+            <a:spLocks noGrp="1"/>
+          </p:cNvSpPr>
+          <p:nvPr>
+            <p:ph type="ftr" sz="quarter" idx="11"/>
+          </p:nvPr>
+        </p:nvSpPr>
+        <p:spPr/>
+        <p:txBody>
+          <a:bodyPr/>
+          <a:lstStyle/>
+          <a:p>
+            <a:r>
+              <a:rPr lang="da-DK"/>
+              <a:t>Nicki Skafte Detlefsen</a:t>
+            </a:r>
+          </a:p>
+        </p:txBody>
+      </p:sp>
+      <p:sp>
+        <p:nvSpPr>
+          <p:cNvPr id="6" name="Slide Number Placeholder 5">
+            <a:extLst>
+              <a:ext uri="{FF2B5EF4-FFF2-40B4-BE49-F238E27FC236}">
+                <a16:creationId xmlns:a16="http://schemas.microsoft.com/office/drawing/2014/main" id="{4D1F801A-EAA1-43EA-84CE-802318D01317}"/>
+              </a:ext>
+            </a:extLst>
+          </p:cNvPr>
+          <p:cNvSpPr>
+            <a:spLocks noGrp="1"/>
+          </p:cNvSpPr>
+          <p:nvPr>
+            <p:ph type="sldNum" sz="quarter" idx="12"/>
+          </p:nvPr>
+        </p:nvSpPr>
+        <p:spPr/>
+        <p:txBody>
+          <a:bodyPr/>
+          <a:lstStyle/>
+          <a:p>
+            <a:fld id="{F6FEDE24-D50C-481B-A7B4-8AF13899101A}" type="slidenum">
+              <a:rPr lang="da-DK" smtClean="0"/>
+              <a:t>5</a:t>
+            </a:fld>
+            <a:endParaRPr lang="da-DK"/>
+          </a:p>
+        </p:txBody>
+      </p:sp>
+      <p:pic>
+        <p:nvPicPr>
+          <p:cNvPr id="8" name="Picture 7">
+            <a:extLst>
+              <a:ext uri="{FF2B5EF4-FFF2-40B4-BE49-F238E27FC236}">
+                <a16:creationId xmlns:a16="http://schemas.microsoft.com/office/drawing/2014/main" id="{F1F9D9F7-E2CF-492E-9DD9-3A5EC2A91903}"/>
+              </a:ext>
+            </a:extLst>
+          </p:cNvPr>
+          <p:cNvPicPr>
+            <a:picLocks noChangeAspect="1"/>
+          </p:cNvPicPr>
+          <p:nvPr/>
+        </p:nvPicPr>
+        <p:blipFill>
+          <a:blip r:embed="rId2"/>
+          <a:stretch>
+            <a:fillRect/>
+          </a:stretch>
+        </p:blipFill>
+        <p:spPr>
+          <a:xfrm>
+            <a:off x="866862" y="2442364"/>
+            <a:ext cx="4960862" cy="3773152"/>
+          </a:xfrm>
+          <a:prstGeom prst="rect">
+            <a:avLst/>
+          </a:prstGeom>
+        </p:spPr>
+      </p:pic>
+      <p:pic>
+        <p:nvPicPr>
+          <p:cNvPr id="10" name="Picture 9">
+            <a:extLst>
+              <a:ext uri="{FF2B5EF4-FFF2-40B4-BE49-F238E27FC236}">
+                <a16:creationId xmlns:a16="http://schemas.microsoft.com/office/drawing/2014/main" id="{25D780D3-D518-4EE6-9F51-E92993C50DB1}"/>
+              </a:ext>
+            </a:extLst>
+          </p:cNvPr>
+          <p:cNvPicPr>
+            <a:picLocks noChangeAspect="1"/>
+          </p:cNvPicPr>
+          <p:nvPr/>
+        </p:nvPicPr>
+        <p:blipFill>
+          <a:blip r:embed="rId3"/>
+          <a:stretch>
+            <a:fillRect/>
+          </a:stretch>
+        </p:blipFill>
+        <p:spPr>
+          <a:xfrm>
+            <a:off x="7947740" y="874210"/>
+            <a:ext cx="3009900" cy="5772150"/>
+          </a:xfrm>
+          <a:prstGeom prst="rect">
+            <a:avLst/>
+          </a:prstGeom>
+        </p:spPr>
+      </p:pic>
+    </p:spTree>
+    <p:extLst>
+      <p:ext uri="{BB962C8B-B14F-4D97-AF65-F5344CB8AC3E}">
+        <p14:creationId xmlns:p14="http://schemas.microsoft.com/office/powerpoint/2010/main" val="1865320365"/>
+      </p:ext>
+    </p:extLst>
+  </p:cSld>
+  <p:clrMapOvr>
+    <a:masterClrMapping/>
+  </p:clrMapOvr>
+</p:sld>
+</file>
+
+<file path=ppt/slides/slide6.xml><?xml version="1.0" encoding="utf-8"?>
+<p:sld xmlns:a="http://schemas.openxmlformats.org/drawingml/2006/main" xmlns:r="http://schemas.openxmlformats.org/officeDocument/2006/relationships" xmlns:p="http://schemas.openxmlformats.org/presentationml/2006/main">
+  <p:cSld>
+    <p:spTree>
+      <p:nvGrpSpPr>
+        <p:cNvPr id="1" name=""/>
+        <p:cNvGrpSpPr/>
+        <p:nvPr/>
+      </p:nvGrpSpPr>
+      <p:grpSpPr>
+        <a:xfrm>
+          <a:off x="0" y="0"/>
+          <a:ext cx="0" cy="0"/>
+          <a:chOff x="0" y="0"/>
+          <a:chExt cx="0" cy="0"/>
+        </a:xfrm>
+      </p:grpSpPr>
+      <p:sp>
+        <p:nvSpPr>
+          <p:cNvPr id="2" name="Title 1">
+            <a:extLst>
+              <a:ext uri="{FF2B5EF4-FFF2-40B4-BE49-F238E27FC236}">
+                <a16:creationId xmlns:a16="http://schemas.microsoft.com/office/drawing/2014/main" id="{4127F9B6-4C36-482C-94CB-D467FA7451CE}"/>
+              </a:ext>
+            </a:extLst>
+          </p:cNvPr>
+          <p:cNvSpPr>
+            <a:spLocks noGrp="1"/>
+          </p:cNvSpPr>
+          <p:nvPr>
+            <p:ph type="title"/>
+          </p:nvPr>
+        </p:nvSpPr>
+        <p:spPr/>
+        <p:txBody>
+          <a:bodyPr/>
+          <a:lstStyle/>
+          <a:p>
+            <a:r>
+              <a:rPr lang="da-DK" dirty="0"/>
+              <a:t>What is the field trying to do about it?</a:t>
+            </a:r>
+          </a:p>
+        </p:txBody>
+      </p:sp>
+      <p:sp>
+        <p:nvSpPr>
+          <p:cNvPr id="3" name="Content Placeholder 2">
+            <a:extLst>
+              <a:ext uri="{FF2B5EF4-FFF2-40B4-BE49-F238E27FC236}">
+                <a16:creationId xmlns:a16="http://schemas.microsoft.com/office/drawing/2014/main" id="{CA6E8977-FCDE-4374-8F7F-7570B82DAA1E}"/>
+              </a:ext>
+            </a:extLst>
+          </p:cNvPr>
+          <p:cNvSpPr>
+            <a:spLocks noGrp="1"/>
+          </p:cNvSpPr>
+          <p:nvPr>
+            <p:ph idx="1"/>
+          </p:nvPr>
+        </p:nvSpPr>
+        <p:spPr/>
+        <p:txBody>
+          <a:bodyPr/>
+          <a:lstStyle/>
+          <a:p>
+            <a:pPr marL="0" indent="0">
+              <a:buNone/>
+            </a:pPr>
+            <a:r>
+              <a:rPr lang="da-DK" dirty="0">
+                <a:hlinkClick r:id="rId2"/>
+              </a:rPr>
+              <a:t>https://paperswithcode.com/</a:t>
+            </a:r>
+            <a:r>
+              <a:rPr lang="da-DK" dirty="0"/>
+              <a:t>	      Neurips checklist:</a:t>
+            </a:r>
+          </a:p>
+        </p:txBody>
+      </p:sp>
+      <p:sp>
+        <p:nvSpPr>
+          <p:cNvPr id="4" name="Date Placeholder 3">
+            <a:extLst>
+              <a:ext uri="{FF2B5EF4-FFF2-40B4-BE49-F238E27FC236}">
+                <a16:creationId xmlns:a16="http://schemas.microsoft.com/office/drawing/2014/main" id="{8F9DF8B0-C4DC-4FA9-B508-40B00A59477A}"/>
+              </a:ext>
+            </a:extLst>
+          </p:cNvPr>
+          <p:cNvSpPr>
+            <a:spLocks noGrp="1"/>
+          </p:cNvSpPr>
+          <p:nvPr>
+            <p:ph type="dt" sz="half" idx="10"/>
+          </p:nvPr>
+        </p:nvSpPr>
+        <p:spPr/>
+        <p:txBody>
+          <a:bodyPr/>
+          <a:lstStyle/>
+          <a:p>
+            <a:fld id="{019E29B9-5584-4737-9C98-1B926378C778}" type="datetime1">
+              <a:rPr lang="en-US" smtClean="0"/>
+              <a:t>5/28/2021</a:t>
+            </a:fld>
+            <a:endParaRPr lang="da-DK"/>
+          </a:p>
+        </p:txBody>
+      </p:sp>
+      <p:sp>
+        <p:nvSpPr>
+          <p:cNvPr id="5" name="Footer Placeholder 4">
+            <a:extLst>
+              <a:ext uri="{FF2B5EF4-FFF2-40B4-BE49-F238E27FC236}">
+                <a16:creationId xmlns:a16="http://schemas.microsoft.com/office/drawing/2014/main" id="{2B9C72A5-20AB-46A8-BCB6-B6F142C0DA8C}"/>
+              </a:ext>
+            </a:extLst>
+          </p:cNvPr>
+          <p:cNvSpPr>
+            <a:spLocks noGrp="1"/>
+          </p:cNvSpPr>
+          <p:nvPr>
+            <p:ph type="ftr" sz="quarter" idx="11"/>
+          </p:nvPr>
+        </p:nvSpPr>
+        <p:spPr/>
+        <p:txBody>
+          <a:bodyPr/>
+          <a:lstStyle/>
+          <a:p>
+            <a:r>
+              <a:rPr lang="da-DK"/>
+              <a:t>Nicki Skafte Detlefsen</a:t>
+            </a:r>
+          </a:p>
+        </p:txBody>
+      </p:sp>
+      <p:sp>
+        <p:nvSpPr>
+          <p:cNvPr id="6" name="Slide Number Placeholder 5">
+            <a:extLst>
+              <a:ext uri="{FF2B5EF4-FFF2-40B4-BE49-F238E27FC236}">
+                <a16:creationId xmlns:a16="http://schemas.microsoft.com/office/drawing/2014/main" id="{DC25B979-DF36-446F-9A45-FC90E805403A}"/>
+              </a:ext>
+            </a:extLst>
+          </p:cNvPr>
+          <p:cNvSpPr>
+            <a:spLocks noGrp="1"/>
+          </p:cNvSpPr>
+          <p:nvPr>
+            <p:ph type="sldNum" sz="quarter" idx="12"/>
+          </p:nvPr>
+        </p:nvSpPr>
+        <p:spPr/>
+        <p:txBody>
+          <a:bodyPr/>
+          <a:lstStyle/>
+          <a:p>
+            <a:fld id="{F6FEDE24-D50C-481B-A7B4-8AF13899101A}" type="slidenum">
+              <a:rPr lang="da-DK" smtClean="0"/>
+              <a:t>6</a:t>
+            </a:fld>
+            <a:endParaRPr lang="da-DK"/>
+          </a:p>
+        </p:txBody>
+      </p:sp>
+      <p:pic>
+        <p:nvPicPr>
+          <p:cNvPr id="8" name="Picture 7">
+            <a:extLst>
+              <a:ext uri="{FF2B5EF4-FFF2-40B4-BE49-F238E27FC236}">
+                <a16:creationId xmlns:a16="http://schemas.microsoft.com/office/drawing/2014/main" id="{83202E3B-0323-48CC-9E2C-E58E3BC8189C}"/>
+              </a:ext>
+            </a:extLst>
+          </p:cNvPr>
+          <p:cNvPicPr>
+            <a:picLocks noChangeAspect="1"/>
+          </p:cNvPicPr>
+          <p:nvPr/>
+        </p:nvPicPr>
+        <p:blipFill rotWithShape="1">
+          <a:blip r:embed="rId3"/>
+          <a:srcRect r="13142"/>
+          <a:stretch/>
+        </p:blipFill>
+        <p:spPr>
+          <a:xfrm>
+            <a:off x="838200" y="1981777"/>
+            <a:ext cx="4965441" cy="3930242"/>
+          </a:xfrm>
+          <a:prstGeom prst="rect">
+            <a:avLst/>
+          </a:prstGeom>
+        </p:spPr>
+      </p:pic>
+      <p:pic>
+        <p:nvPicPr>
+          <p:cNvPr id="10" name="Picture 9">
+            <a:extLst>
+              <a:ext uri="{FF2B5EF4-FFF2-40B4-BE49-F238E27FC236}">
+                <a16:creationId xmlns:a16="http://schemas.microsoft.com/office/drawing/2014/main" id="{71A4576F-CA9F-49B3-9EB1-BF1A835B5801}"/>
+              </a:ext>
+            </a:extLst>
+          </p:cNvPr>
+          <p:cNvPicPr>
+            <a:picLocks noChangeAspect="1"/>
+          </p:cNvPicPr>
+          <p:nvPr/>
+        </p:nvPicPr>
+        <p:blipFill>
+          <a:blip r:embed="rId4"/>
+          <a:stretch>
+            <a:fillRect/>
+          </a:stretch>
+        </p:blipFill>
+        <p:spPr>
+          <a:xfrm>
+            <a:off x="5948208" y="1884710"/>
+            <a:ext cx="5324783" cy="4027309"/>
+          </a:xfrm>
+          <a:prstGeom prst="rect">
+            <a:avLst/>
+          </a:prstGeom>
+        </p:spPr>
+      </p:pic>
+    </p:spTree>
+    <p:extLst>
+      <p:ext uri="{BB962C8B-B14F-4D97-AF65-F5344CB8AC3E}">
+        <p14:creationId xmlns:p14="http://schemas.microsoft.com/office/powerpoint/2010/main" val="2265073708"/>
+      </p:ext>
+    </p:extLst>
+  </p:cSld>
+  <p:clrMapOvr>
+    <a:masterClrMapping/>
+  </p:clrMapOvr>
+</p:sld>
+</file>
+
+<file path=ppt/slides/slide7.xml><?xml version="1.0" encoding="utf-8"?>
+<p:sld xmlns:a="http://schemas.openxmlformats.org/drawingml/2006/main" xmlns:r="http://schemas.openxmlformats.org/officeDocument/2006/relationships" xmlns:p="http://schemas.openxmlformats.org/presentationml/2006/main">
+  <p:cSld>
+    <p:spTree>
+      <p:nvGrpSpPr>
+        <p:cNvPr id="1" name=""/>
+        <p:cNvGrpSpPr/>
+        <p:nvPr/>
+      </p:nvGrpSpPr>
+      <p:grpSpPr>
+        <a:xfrm>
+          <a:off x="0" y="0"/>
+          <a:ext cx="0" cy="0"/>
+          <a:chOff x="0" y="0"/>
+          <a:chExt cx="0" cy="0"/>
+        </a:xfrm>
+      </p:grpSpPr>
+      <p:sp>
+        <p:nvSpPr>
+          <p:cNvPr id="2" name="Title 1">
+            <a:extLst>
+              <a:ext uri="{FF2B5EF4-FFF2-40B4-BE49-F238E27FC236}">
+                <a16:creationId xmlns:a16="http://schemas.microsoft.com/office/drawing/2014/main" id="{B4FE2F94-B2F7-4E78-BB1E-945C249F7D86}"/>
+              </a:ext>
+            </a:extLst>
+          </p:cNvPr>
+          <p:cNvSpPr>
+            <a:spLocks noGrp="1"/>
+          </p:cNvSpPr>
+          <p:nvPr>
+            <p:ph type="title"/>
+          </p:nvPr>
+        </p:nvSpPr>
+        <p:spPr/>
+        <p:txBody>
+          <a:bodyPr/>
+          <a:lstStyle/>
+          <a:p>
+            <a:r>
+              <a:rPr lang="da-DK" dirty="0"/>
+              <a:t>What can you do about it?</a:t>
+            </a:r>
+          </a:p>
+        </p:txBody>
+      </p:sp>
+      <p:sp>
+        <p:nvSpPr>
+          <p:cNvPr id="3" name="Content Placeholder 2">
+            <a:extLst>
+              <a:ext uri="{FF2B5EF4-FFF2-40B4-BE49-F238E27FC236}">
+                <a16:creationId xmlns:a16="http://schemas.microsoft.com/office/drawing/2014/main" id="{DFAD2168-C8BA-4BFC-87B5-83CB54C8923C}"/>
+              </a:ext>
+            </a:extLst>
+          </p:cNvPr>
+          <p:cNvSpPr>
+            <a:spLocks noGrp="1"/>
+          </p:cNvSpPr>
+          <p:nvPr>
+            <p:ph idx="1"/>
+          </p:nvPr>
+        </p:nvSpPr>
         <p:spPr>
           <a:xfrm>
             <a:off x="838200" y="1343608"/>
@@ -9846,7 +11386,7 @@
           <a:p>
             <a:fld id="{019E29B9-5584-4737-9C98-1B926378C778}" type="datetime1">
               <a:rPr lang="en-US" smtClean="0"/>
-              <a:t>5/5/2021</a:t>
+              <a:t>5/28/2021</a:t>
             </a:fld>
             <a:endParaRPr lang="da-DK"/>
           </a:p>
@@ -9903,7 +11443,7 @@
           <a:p>
             <a:fld id="{F6FEDE24-D50C-481B-A7B4-8AF13899101A}" type="slidenum">
               <a:rPr lang="da-DK" smtClean="0"/>
-              <a:t>4</a:t>
+              <a:t>7</a:t>
             </a:fld>
             <a:endParaRPr lang="da-DK"/>
           </a:p>
@@ -10309,7 +11849,7 @@
 </p:sld>
 </file>
 
-<file path=ppt/slides/slide5.xml><?xml version="1.0" encoding="utf-8"?>
+<file path=ppt/slides/slide8.xml><?xml version="1.0" encoding="utf-8"?>
 <p:sld xmlns:a="http://schemas.openxmlformats.org/drawingml/2006/main" xmlns:r="http://schemas.openxmlformats.org/officeDocument/2006/relationships" xmlns:p="http://schemas.openxmlformats.org/presentationml/2006/main">
   <p:cSld>
     <p:spTree>
@@ -10377,7 +11917,7 @@
           <a:p>
             <a:fld id="{019E29B9-5584-4737-9C98-1B926378C778}" type="datetime1">
               <a:rPr lang="en-US" smtClean="0"/>
-              <a:t>5/5/2021</a:t>
+              <a:t>5/28/2021</a:t>
             </a:fld>
             <a:endParaRPr lang="da-DK"/>
           </a:p>
@@ -10434,7 +11974,7 @@
           <a:p>
             <a:fld id="{F6FEDE24-D50C-481B-A7B4-8AF13899101A}" type="slidenum">
               <a:rPr lang="da-DK" smtClean="0"/>
-              <a:t>5</a:t>
+              <a:t>8</a:t>
             </a:fld>
             <a:endParaRPr lang="da-DK"/>
           </a:p>
@@ -10566,7 +12106,7 @@
             <a:fld id="{019E29B9-5584-4737-9C98-1B926378C778}" type="datetime1">
               <a:rPr lang="en-US" smtClean="0"/>
               <a:pPr/>
-              <a:t>5/5/2021</a:t>
+              <a:t>5/28/2021</a:t>
             </a:fld>
             <a:endParaRPr lang="da-DK"/>
           </a:p>
@@ -11105,6 +12645,88 @@
           <a:xfrm>
             <a:off x="3852471" y="4657790"/>
             <a:ext cx="2045731" cy="337609"/>
+          </a:xfrm>
+          <a:prstGeom prst="rect">
+            <a:avLst/>
+          </a:prstGeom>
+          <a:noFill/>
+          <a:ln w="38100">
+            <a:solidFill>
+              <a:srgbClr val="FF0000"/>
+            </a:solidFill>
+          </a:ln>
+        </p:spPr>
+        <p:style>
+          <a:lnRef idx="2">
+            <a:schemeClr val="accent1">
+              <a:shade val="50000"/>
+            </a:schemeClr>
+          </a:lnRef>
+          <a:fillRef idx="1">
+            <a:schemeClr val="accent1"/>
+          </a:fillRef>
+          <a:effectRef idx="0">
+            <a:schemeClr val="accent1"/>
+          </a:effectRef>
+          <a:fontRef idx="minor">
+            <a:schemeClr val="lt1"/>
+          </a:fontRef>
+        </p:style>
+        <p:txBody>
+          <a:bodyPr rtlCol="0" anchor="ctr"/>
+          <a:lstStyle/>
+          <a:p>
+            <a:pPr algn="ctr"/>
+            <a:endParaRPr lang="da-DK"/>
+          </a:p>
+        </p:txBody>
+      </p:sp>
+      <p:pic>
+        <p:nvPicPr>
+          <p:cNvPr id="21" name="Picture 20">
+            <a:extLst>
+              <a:ext uri="{FF2B5EF4-FFF2-40B4-BE49-F238E27FC236}">
+                <a16:creationId xmlns:a16="http://schemas.microsoft.com/office/drawing/2014/main" id="{8C57C2CB-41FE-4147-A788-939955BBD0B2}"/>
+              </a:ext>
+            </a:extLst>
+          </p:cNvPr>
+          <p:cNvPicPr>
+            <a:picLocks noChangeAspect="1"/>
+          </p:cNvPicPr>
+          <p:nvPr/>
+        </p:nvPicPr>
+        <p:blipFill>
+          <a:blip r:embed="rId7"/>
+          <a:stretch>
+            <a:fillRect/>
+          </a:stretch>
+        </p:blipFill>
+        <p:spPr>
+          <a:xfrm>
+            <a:off x="8071538" y="848626"/>
+            <a:ext cx="3009900" cy="5772150"/>
+          </a:xfrm>
+          <a:prstGeom prst="rect">
+            <a:avLst/>
+          </a:prstGeom>
+        </p:spPr>
+      </p:pic>
+      <p:sp>
+        <p:nvSpPr>
+          <p:cNvPr id="3" name="Rectangle 2">
+            <a:extLst>
+              <a:ext uri="{FF2B5EF4-FFF2-40B4-BE49-F238E27FC236}">
+                <a16:creationId xmlns:a16="http://schemas.microsoft.com/office/drawing/2014/main" id="{3411BD2C-217A-4CF1-80BB-3DC12AEDB735}"/>
+              </a:ext>
+            </a:extLst>
+          </p:cNvPr>
+          <p:cNvSpPr/>
+          <p:nvPr/>
+        </p:nvSpPr>
+        <p:spPr>
+          <a:xfrm>
+            <a:off x="10039266" y="4001687"/>
+            <a:ext cx="973180" cy="221083"/>
           </a:xfrm>
           <a:prstGeom prst="rect">
             <a:avLst/>
@@ -11232,7 +12854,7 @@
 </p:sld>
 </file>
 
-<file path=ppt/slides/slide6.xml><?xml version="1.0" encoding="utf-8"?>
+<file path=ppt/slides/slide9.xml><?xml version="1.0" encoding="utf-8"?>
 <p:sld xmlns:a="http://schemas.openxmlformats.org/drawingml/2006/main" xmlns:r="http://schemas.openxmlformats.org/officeDocument/2006/relationships" xmlns:p="http://schemas.openxmlformats.org/presentationml/2006/main">
   <p:cSld>
     <p:spTree>
@@ -11339,7 +12961,7 @@
           <a:p>
             <a:fld id="{019E29B9-5584-4737-9C98-1B926378C778}" type="datetime1">
               <a:rPr lang="en-US" smtClean="0"/>
-              <a:t>5/5/2021</a:t>
+              <a:t>5/28/2021</a:t>
             </a:fld>
             <a:endParaRPr lang="da-DK"/>
           </a:p>
@@ -11396,7 +13018,7 @@
           <a:p>
             <a:fld id="{F6FEDE24-D50C-481B-A7B4-8AF13899101A}" type="slidenum">
               <a:rPr lang="da-DK" smtClean="0"/>
-              <a:t>6</a:t>
+              <a:t>9</a:t>
             </a:fld>
             <a:endParaRPr lang="da-DK"/>
           </a:p>
@@ -11739,452 +13361,6 @@
     <p:extLst>
       <p:ext uri="{BB962C8B-B14F-4D97-AF65-F5344CB8AC3E}">
         <p14:creationId xmlns:p14="http://schemas.microsoft.com/office/powerpoint/2010/main" val="3037718661"/>
-      </p:ext>
-    </p:extLst>
-  </p:cSld>
-  <p:clrMapOvr>
-    <a:masterClrMapping/>
-  </p:clrMapOvr>
-</p:sld>
-</file>
-
-<file path=ppt/slides/slide7.xml><?xml version="1.0" encoding="utf-8"?>
-<p:sld xmlns:a="http://schemas.openxmlformats.org/drawingml/2006/main" xmlns:r="http://schemas.openxmlformats.org/officeDocument/2006/relationships" xmlns:p="http://schemas.openxmlformats.org/presentationml/2006/main">
-  <p:cSld>
-    <p:spTree>
-      <p:nvGrpSpPr>
-        <p:cNvPr id="1" name=""/>
-        <p:cNvGrpSpPr/>
-        <p:nvPr/>
-      </p:nvGrpSpPr>
-      <p:grpSpPr>
-        <a:xfrm>
-          <a:off x="0" y="0"/>
-          <a:ext cx="0" cy="0"/>
-          <a:chOff x="0" y="0"/>
-          <a:chExt cx="0" cy="0"/>
-        </a:xfrm>
-      </p:grpSpPr>
-      <p:sp>
-        <p:nvSpPr>
-          <p:cNvPr id="2" name="Title 1">
-            <a:extLst>
-              <a:ext uri="{FF2B5EF4-FFF2-40B4-BE49-F238E27FC236}">
-                <a16:creationId xmlns:a16="http://schemas.microsoft.com/office/drawing/2014/main" id="{63286B58-BE12-4714-8BC1-19C6CB8DB0C2}"/>
-              </a:ext>
-            </a:extLst>
-          </p:cNvPr>
-          <p:cNvSpPr>
-            <a:spLocks noGrp="1"/>
-          </p:cNvSpPr>
-          <p:nvPr>
-            <p:ph type="title"/>
-          </p:nvPr>
-        </p:nvSpPr>
-        <p:spPr/>
-        <p:txBody>
-          <a:bodyPr/>
-          <a:lstStyle/>
-          <a:p>
-            <a:r>
-              <a:rPr lang="da-DK" dirty="0"/>
-              <a:t>Hydra</a:t>
-            </a:r>
-          </a:p>
-        </p:txBody>
-      </p:sp>
-      <p:sp>
-        <p:nvSpPr>
-          <p:cNvPr id="3" name="Content Placeholder 2">
-            <a:extLst>
-              <a:ext uri="{FF2B5EF4-FFF2-40B4-BE49-F238E27FC236}">
-                <a16:creationId xmlns:a16="http://schemas.microsoft.com/office/drawing/2014/main" id="{30FE8B02-0463-4D95-AB56-30BA23119AAC}"/>
-              </a:ext>
-            </a:extLst>
-          </p:cNvPr>
-          <p:cNvSpPr>
-            <a:spLocks noGrp="1"/>
-          </p:cNvSpPr>
-          <p:nvPr>
-            <p:ph idx="1"/>
-          </p:nvPr>
-        </p:nvSpPr>
-        <p:spPr/>
-        <p:txBody>
-          <a:bodyPr/>
-          <a:lstStyle/>
-          <a:p>
-            <a:pPr marL="0" indent="0" algn="ctr">
-              <a:buNone/>
-            </a:pPr>
-            <a:r>
-              <a:rPr lang="en-US" i="1" dirty="0"/>
-              <a:t>A framework for elegantly configuring complex applications.</a:t>
-            </a:r>
-          </a:p>
-          <a:p>
-            <a:pPr marL="0" indent="0" algn="ctr">
-              <a:buNone/>
-            </a:pPr>
-            <a:r>
-              <a:rPr lang="en-US" dirty="0">
-                <a:hlinkClick r:id="rId2"/>
-              </a:rPr>
-              <a:t>https://github.com/facebookresearch/hydra</a:t>
-            </a:r>
-            <a:endParaRPr lang="en-US" dirty="0"/>
-          </a:p>
-          <a:p>
-            <a:pPr marL="0" indent="0" algn="ctr">
-              <a:buNone/>
-            </a:pPr>
-            <a:endParaRPr lang="en-US" dirty="0"/>
-          </a:p>
-          <a:p>
-            <a:pPr marL="0" indent="0">
-              <a:buNone/>
-            </a:pPr>
-            <a:endParaRPr lang="en-US" dirty="0"/>
-          </a:p>
-        </p:txBody>
-      </p:sp>
-      <p:sp>
-        <p:nvSpPr>
-          <p:cNvPr id="4" name="Date Placeholder 3">
-            <a:extLst>
-              <a:ext uri="{FF2B5EF4-FFF2-40B4-BE49-F238E27FC236}">
-                <a16:creationId xmlns:a16="http://schemas.microsoft.com/office/drawing/2014/main" id="{386E6561-5811-4831-9A70-B9C397D06125}"/>
-              </a:ext>
-            </a:extLst>
-          </p:cNvPr>
-          <p:cNvSpPr>
-            <a:spLocks noGrp="1"/>
-          </p:cNvSpPr>
-          <p:nvPr>
-            <p:ph type="dt" sz="half" idx="10"/>
-          </p:nvPr>
-        </p:nvSpPr>
-        <p:spPr/>
-        <p:txBody>
-          <a:bodyPr/>
-          <a:lstStyle/>
-          <a:p>
-            <a:fld id="{019E29B9-5584-4737-9C98-1B926378C778}" type="datetime1">
-              <a:rPr lang="en-US" smtClean="0"/>
-              <a:t>5/5/2021</a:t>
-            </a:fld>
-            <a:endParaRPr lang="da-DK"/>
-          </a:p>
-        </p:txBody>
-      </p:sp>
-      <p:sp>
-        <p:nvSpPr>
-          <p:cNvPr id="5" name="Footer Placeholder 4">
-            <a:extLst>
-              <a:ext uri="{FF2B5EF4-FFF2-40B4-BE49-F238E27FC236}">
-                <a16:creationId xmlns:a16="http://schemas.microsoft.com/office/drawing/2014/main" id="{0A4AB652-F75E-4A6E-8F07-42A66DC5DE87}"/>
-              </a:ext>
-            </a:extLst>
-          </p:cNvPr>
-          <p:cNvSpPr>
-            <a:spLocks noGrp="1"/>
-          </p:cNvSpPr>
-          <p:nvPr>
-            <p:ph type="ftr" sz="quarter" idx="11"/>
-          </p:nvPr>
-        </p:nvSpPr>
-        <p:spPr/>
-        <p:txBody>
-          <a:bodyPr/>
-          <a:lstStyle/>
-          <a:p>
-            <a:r>
-              <a:rPr lang="da-DK"/>
-              <a:t>Nicki Skafte Detlefsen</a:t>
-            </a:r>
-          </a:p>
-        </p:txBody>
-      </p:sp>
-      <p:sp>
-        <p:nvSpPr>
-          <p:cNvPr id="6" name="Slide Number Placeholder 5">
-            <a:extLst>
-              <a:ext uri="{FF2B5EF4-FFF2-40B4-BE49-F238E27FC236}">
-                <a16:creationId xmlns:a16="http://schemas.microsoft.com/office/drawing/2014/main" id="{12A5B660-225E-47D0-8A49-500C8FDACE2D}"/>
-              </a:ext>
-            </a:extLst>
-          </p:cNvPr>
-          <p:cNvSpPr>
-            <a:spLocks noGrp="1"/>
-          </p:cNvSpPr>
-          <p:nvPr>
-            <p:ph type="sldNum" sz="quarter" idx="12"/>
-          </p:nvPr>
-        </p:nvSpPr>
-        <p:spPr/>
-        <p:txBody>
-          <a:bodyPr/>
-          <a:lstStyle/>
-          <a:p>
-            <a:fld id="{F6FEDE24-D50C-481B-A7B4-8AF13899101A}" type="slidenum">
-              <a:rPr lang="da-DK" smtClean="0"/>
-              <a:t>7</a:t>
-            </a:fld>
-            <a:endParaRPr lang="da-DK"/>
-          </a:p>
-        </p:txBody>
-      </p:sp>
-      <p:pic>
-        <p:nvPicPr>
-          <p:cNvPr id="14" name="Picture 13" descr="A picture containing text, tableware, plate, dishware&#10;&#10;Description automatically generated">
-            <a:extLst>
-              <a:ext uri="{FF2B5EF4-FFF2-40B4-BE49-F238E27FC236}">
-                <a16:creationId xmlns:a16="http://schemas.microsoft.com/office/drawing/2014/main" id="{03386FE9-286D-4F57-84AD-BF02DAE80C50}"/>
-              </a:ext>
-            </a:extLst>
-          </p:cNvPr>
-          <p:cNvPicPr>
-            <a:picLocks noChangeAspect="1"/>
-          </p:cNvPicPr>
-          <p:nvPr/>
-        </p:nvPicPr>
-        <p:blipFill>
-          <a:blip r:embed="rId3">
-            <a:extLst>
-              <a:ext uri="{28A0092B-C50C-407E-A947-70E740481C1C}">
-                <a14:useLocalDpi xmlns:a14="http://schemas.microsoft.com/office/drawing/2010/main" val="0"/>
-              </a:ext>
-            </a:extLst>
-          </a:blip>
-          <a:stretch>
-            <a:fillRect/>
-          </a:stretch>
-        </p:blipFill>
-        <p:spPr>
-          <a:xfrm>
-            <a:off x="8290552" y="4315933"/>
-            <a:ext cx="3901448" cy="1950724"/>
-          </a:xfrm>
-          <a:prstGeom prst="rect">
-            <a:avLst/>
-          </a:prstGeom>
-        </p:spPr>
-      </p:pic>
-    </p:spTree>
-    <p:extLst>
-      <p:ext uri="{BB962C8B-B14F-4D97-AF65-F5344CB8AC3E}">
-        <p14:creationId xmlns:p14="http://schemas.microsoft.com/office/powerpoint/2010/main" val="2807158215"/>
-      </p:ext>
-    </p:extLst>
-  </p:cSld>
-  <p:clrMapOvr>
-    <a:masterClrMapping/>
-  </p:clrMapOvr>
-</p:sld>
-</file>
-
-<file path=ppt/slides/slide8.xml><?xml version="1.0" encoding="utf-8"?>
-<p:sld xmlns:a="http://schemas.openxmlformats.org/drawingml/2006/main" xmlns:r="http://schemas.openxmlformats.org/officeDocument/2006/relationships" xmlns:p="http://schemas.openxmlformats.org/presentationml/2006/main">
-  <p:cSld>
-    <p:spTree>
-      <p:nvGrpSpPr>
-        <p:cNvPr id="1" name=""/>
-        <p:cNvGrpSpPr/>
-        <p:nvPr/>
-      </p:nvGrpSpPr>
-      <p:grpSpPr>
-        <a:xfrm>
-          <a:off x="0" y="0"/>
-          <a:ext cx="0" cy="0"/>
-          <a:chOff x="0" y="0"/>
-          <a:chExt cx="0" cy="0"/>
-        </a:xfrm>
-      </p:grpSpPr>
-      <p:sp>
-        <p:nvSpPr>
-          <p:cNvPr id="2" name="Title 1">
-            <a:extLst>
-              <a:ext uri="{FF2B5EF4-FFF2-40B4-BE49-F238E27FC236}">
-                <a16:creationId xmlns:a16="http://schemas.microsoft.com/office/drawing/2014/main" id="{137EA8E7-F4DC-43BD-B19F-B49BCBDC67CD}"/>
-              </a:ext>
-            </a:extLst>
-          </p:cNvPr>
-          <p:cNvSpPr>
-            <a:spLocks noGrp="1"/>
-          </p:cNvSpPr>
-          <p:nvPr>
-            <p:ph type="title"/>
-          </p:nvPr>
-        </p:nvSpPr>
-        <p:spPr/>
-        <p:txBody>
-          <a:bodyPr/>
-          <a:lstStyle/>
-          <a:p>
-            <a:r>
-              <a:rPr lang="da-DK" dirty="0"/>
-              <a:t>Other frameworks</a:t>
-            </a:r>
-          </a:p>
-        </p:txBody>
-      </p:sp>
-      <p:sp>
-        <p:nvSpPr>
-          <p:cNvPr id="3" name="Content Placeholder 2">
-            <a:extLst>
-              <a:ext uri="{FF2B5EF4-FFF2-40B4-BE49-F238E27FC236}">
-                <a16:creationId xmlns:a16="http://schemas.microsoft.com/office/drawing/2014/main" id="{F38C3EFA-AFD8-45A3-B545-3954B06F7E17}"/>
-              </a:ext>
-            </a:extLst>
-          </p:cNvPr>
-          <p:cNvSpPr>
-            <a:spLocks noGrp="1"/>
-          </p:cNvSpPr>
-          <p:nvPr>
-            <p:ph idx="1"/>
-          </p:nvPr>
-        </p:nvSpPr>
-        <p:spPr/>
-        <p:txBody>
-          <a:bodyPr/>
-          <a:lstStyle/>
-          <a:p>
-            <a:endParaRPr lang="da-DK" dirty="0">
-              <a:hlinkClick r:id="rId2"/>
-            </a:endParaRPr>
-          </a:p>
-          <a:p>
-            <a:r>
-              <a:rPr lang="da-DK" dirty="0">
-                <a:hlinkClick r:id="rId2"/>
-              </a:rPr>
-              <a:t>https://github.com/IDSIA/sacred</a:t>
-            </a:r>
-            <a:endParaRPr lang="da-DK" dirty="0"/>
-          </a:p>
-          <a:p>
-            <a:endParaRPr lang="da-DK" dirty="0">
-              <a:hlinkClick r:id="rId3"/>
-            </a:endParaRPr>
-          </a:p>
-          <a:p>
-            <a:r>
-              <a:rPr lang="da-DK" dirty="0">
-                <a:hlinkClick r:id="rId3"/>
-              </a:rPr>
-              <a:t>https://mlflow.org/</a:t>
-            </a:r>
-            <a:endParaRPr lang="da-DK" dirty="0"/>
-          </a:p>
-          <a:p>
-            <a:endParaRPr lang="da-DK" dirty="0">
-              <a:hlinkClick r:id="rId4"/>
-            </a:endParaRPr>
-          </a:p>
-          <a:p>
-            <a:r>
-              <a:rPr lang="da-DK" dirty="0">
-                <a:hlinkClick r:id="rId4"/>
-              </a:rPr>
-              <a:t>https://wandb.ai/site</a:t>
-            </a:r>
-            <a:endParaRPr lang="da-DK" dirty="0"/>
-          </a:p>
-          <a:p>
-            <a:endParaRPr lang="da-DK" dirty="0"/>
-          </a:p>
-        </p:txBody>
-      </p:sp>
-      <p:sp>
-        <p:nvSpPr>
-          <p:cNvPr id="4" name="Date Placeholder 3">
-            <a:extLst>
-              <a:ext uri="{FF2B5EF4-FFF2-40B4-BE49-F238E27FC236}">
-                <a16:creationId xmlns:a16="http://schemas.microsoft.com/office/drawing/2014/main" id="{E8518486-FFDB-4867-9F76-326C9BA339A4}"/>
-              </a:ext>
-            </a:extLst>
-          </p:cNvPr>
-          <p:cNvSpPr>
-            <a:spLocks noGrp="1"/>
-          </p:cNvSpPr>
-          <p:nvPr>
-            <p:ph type="dt" sz="half" idx="10"/>
-          </p:nvPr>
-        </p:nvSpPr>
-        <p:spPr/>
-        <p:txBody>
-          <a:bodyPr/>
-          <a:lstStyle/>
-          <a:p>
-            <a:fld id="{019E29B9-5584-4737-9C98-1B926378C778}" type="datetime1">
-              <a:rPr lang="en-US" smtClean="0"/>
-              <a:t>5/5/2021</a:t>
-            </a:fld>
-            <a:endParaRPr lang="da-DK"/>
-          </a:p>
-        </p:txBody>
-      </p:sp>
-      <p:sp>
-        <p:nvSpPr>
-          <p:cNvPr id="5" name="Footer Placeholder 4">
-            <a:extLst>
-              <a:ext uri="{FF2B5EF4-FFF2-40B4-BE49-F238E27FC236}">
-                <a16:creationId xmlns:a16="http://schemas.microsoft.com/office/drawing/2014/main" id="{7120C5F5-650D-4B22-9BC6-1B33E4EE3ACC}"/>
-              </a:ext>
-            </a:extLst>
-          </p:cNvPr>
-          <p:cNvSpPr>
-            <a:spLocks noGrp="1"/>
-          </p:cNvSpPr>
-          <p:nvPr>
-            <p:ph type="ftr" sz="quarter" idx="11"/>
-          </p:nvPr>
-        </p:nvSpPr>
-        <p:spPr/>
-        <p:txBody>
-          <a:bodyPr/>
-          <a:lstStyle/>
-          <a:p>
-            <a:r>
-              <a:rPr lang="da-DK"/>
-              <a:t>Nicki Skafte Detlefsen</a:t>
-            </a:r>
-          </a:p>
-        </p:txBody>
-      </p:sp>
-      <p:sp>
-        <p:nvSpPr>
-          <p:cNvPr id="6" name="Slide Number Placeholder 5">
-            <a:extLst>
-              <a:ext uri="{FF2B5EF4-FFF2-40B4-BE49-F238E27FC236}">
-                <a16:creationId xmlns:a16="http://schemas.microsoft.com/office/drawing/2014/main" id="{C7D46A3B-6ABF-4194-9779-703BF6E77D6E}"/>
-              </a:ext>
-            </a:extLst>
-          </p:cNvPr>
-          <p:cNvSpPr>
-            <a:spLocks noGrp="1"/>
-          </p:cNvSpPr>
-          <p:nvPr>
-            <p:ph type="sldNum" sz="quarter" idx="12"/>
-          </p:nvPr>
-        </p:nvSpPr>
-        <p:spPr/>
-        <p:txBody>
-          <a:bodyPr/>
-          <a:lstStyle/>
-          <a:p>
-            <a:fld id="{F6FEDE24-D50C-481B-A7B4-8AF13899101A}" type="slidenum">
-              <a:rPr lang="da-DK" smtClean="0"/>
-              <a:t>8</a:t>
-            </a:fld>
-            <a:endParaRPr lang="da-DK"/>
-          </a:p>
-        </p:txBody>
-      </p:sp>
-    </p:spTree>
-    <p:extLst>
-      <p:ext uri="{BB962C8B-B14F-4D97-AF65-F5344CB8AC3E}">
-        <p14:creationId xmlns:p14="http://schemas.microsoft.com/office/powerpoint/2010/main" val="4228679766"/>
       </p:ext>
     </p:extLst>
   </p:cSld>

--- a/08_reproduceability/Reproduceability.pptx
+++ b/08_reproduceability/Reproduceability.pptx
@@ -5202,7 +5202,7 @@
           <a:p>
             <a:fld id="{D75CAE95-D2DD-4998-876A-092BFD628C65}" type="datetimeFigureOut">
               <a:rPr lang="da-DK" smtClean="0"/>
-              <a:t>28-05-2021</a:t>
+              <a:t>03-06-2021</a:t>
             </a:fld>
             <a:endParaRPr lang="da-DK"/>
           </a:p>
@@ -5380,7 +5380,7 @@
           <a:p>
             <a:fld id="{1DA8E099-58AA-4136-B409-1CAD1943D842}" type="datetimeFigureOut">
               <a:rPr lang="da-DK" smtClean="0"/>
-              <a:t>28-05-2021</a:t>
+              <a:t>03-06-2021</a:t>
             </a:fld>
             <a:endParaRPr lang="da-DK"/>
           </a:p>
@@ -5798,7 +5798,7 @@
           <a:p>
             <a:fld id="{C85334AD-9960-4065-BF34-86ED0345A76D}" type="datetime1">
               <a:rPr lang="en-US" smtClean="0"/>
-              <a:t>5/28/2021</a:t>
+              <a:t>6/3/2021</a:t>
             </a:fld>
             <a:endParaRPr lang="da-DK"/>
           </a:p>
@@ -6037,7 +6037,7 @@
           <a:p>
             <a:fld id="{C5669758-3775-48D7-A841-693E908C3BF4}" type="datetime1">
               <a:rPr lang="en-US" smtClean="0"/>
-              <a:t>5/28/2021</a:t>
+              <a:t>6/3/2021</a:t>
             </a:fld>
             <a:endParaRPr lang="da-DK"/>
           </a:p>
@@ -6250,7 +6250,7 @@
           <a:p>
             <a:fld id="{1E0C3FF1-EDBD-4F2A-8366-34A4E3728310}" type="datetime1">
               <a:rPr lang="en-US" smtClean="0"/>
-              <a:t>5/28/2021</a:t>
+              <a:t>6/3/2021</a:t>
             </a:fld>
             <a:endParaRPr lang="da-DK"/>
           </a:p>
@@ -6471,7 +6471,7 @@
           <a:p>
             <a:fld id="{019E29B9-5584-4737-9C98-1B926378C778}" type="datetime1">
               <a:rPr lang="en-US" smtClean="0"/>
-              <a:t>5/28/2021</a:t>
+              <a:t>6/3/2021</a:t>
             </a:fld>
             <a:endParaRPr lang="da-DK"/>
           </a:p>
@@ -6786,7 +6786,7 @@
           <a:p>
             <a:fld id="{FCE38F03-F67D-4508-A858-99FCD085087C}" type="datetime1">
               <a:rPr lang="en-US" smtClean="0"/>
-              <a:t>5/28/2021</a:t>
+              <a:t>6/3/2021</a:t>
             </a:fld>
             <a:endParaRPr lang="da-DK"/>
           </a:p>
@@ -7057,7 +7057,7 @@
           <a:p>
             <a:fld id="{B43F2930-3FFD-4F93-A4BD-4F0D1A0B4514}" type="datetime1">
               <a:rPr lang="en-US" smtClean="0"/>
-              <a:t>5/28/2021</a:t>
+              <a:t>6/3/2021</a:t>
             </a:fld>
             <a:endParaRPr lang="da-DK"/>
           </a:p>
@@ -7475,7 +7475,7 @@
           <a:p>
             <a:fld id="{8E0F9B9B-30CC-4693-8E0F-1A94A979E2C5}" type="datetime1">
               <a:rPr lang="en-US" smtClean="0"/>
-              <a:t>5/28/2021</a:t>
+              <a:t>6/3/2021</a:t>
             </a:fld>
             <a:endParaRPr lang="da-DK"/>
           </a:p>
@@ -7620,7 +7620,7 @@
           <a:p>
             <a:fld id="{6FE1433B-E6A7-44FF-8B55-539471B4D7C5}" type="datetime1">
               <a:rPr lang="en-US" smtClean="0"/>
-              <a:t>5/28/2021</a:t>
+              <a:t>6/3/2021</a:t>
             </a:fld>
             <a:endParaRPr lang="da-DK"/>
           </a:p>
@@ -7736,7 +7736,7 @@
           <a:p>
             <a:fld id="{624F4001-6A8C-42DA-824F-B5CC1375B861}" type="datetime1">
               <a:rPr lang="en-US" smtClean="0"/>
-              <a:t>5/28/2021</a:t>
+              <a:t>6/3/2021</a:t>
             </a:fld>
             <a:endParaRPr lang="da-DK"/>
           </a:p>
@@ -8052,7 +8052,7 @@
           <a:p>
             <a:fld id="{2D3BE137-2C5E-4078-8BA2-7D42D7E67218}" type="datetime1">
               <a:rPr lang="en-US" smtClean="0"/>
-              <a:t>5/28/2021</a:t>
+              <a:t>6/3/2021</a:t>
             </a:fld>
             <a:endParaRPr lang="da-DK"/>
           </a:p>
@@ -8344,7 +8344,7 @@
           <a:p>
             <a:fld id="{0D1436FF-56D3-4E93-92E8-71121EAB120E}" type="datetime1">
               <a:rPr lang="en-US" smtClean="0"/>
-              <a:t>5/28/2021</a:t>
+              <a:t>6/3/2021</a:t>
             </a:fld>
             <a:endParaRPr lang="da-DK"/>
           </a:p>
@@ -8590,7 +8590,7 @@
           <a:p>
             <a:fld id="{16601EF2-4BCA-4009-ACCF-B97F259DEF6F}" type="datetime1">
               <a:rPr lang="en-US" smtClean="0"/>
-              <a:t>5/28/2021</a:t>
+              <a:t>6/3/2021</a:t>
             </a:fld>
             <a:endParaRPr lang="da-DK"/>
           </a:p>
@@ -9076,27 +9076,30 @@
           <a:p>
             <a:r>
               <a:rPr lang="da-DK"/>
-              <a:t>02457 Machine Learning Operations</a:t>
-            </a:r>
-          </a:p>
-          <a:p>
-            <a:r>
-              <a:rPr lang="da-DK"/>
+              <a:t>Machine </a:t>
+            </a:r>
+            <a:r>
+              <a:rPr lang="da-DK" dirty="0"/>
+              <a:t>Learning Operations</a:t>
+            </a:r>
+          </a:p>
+          <a:p>
+            <a:r>
+              <a:rPr lang="da-DK" dirty="0"/>
               <a:t>Nicki Skafte Detlefsen,</a:t>
             </a:r>
           </a:p>
           <a:p>
             <a:r>
-              <a:rPr lang="da-DK"/>
+              <a:rPr lang="da-DK" dirty="0"/>
               <a:t>Postdoc</a:t>
             </a:r>
           </a:p>
           <a:p>
             <a:r>
-              <a:rPr lang="da-DK"/>
+              <a:rPr lang="da-DK" dirty="0"/>
               <a:t>DTU Compute</a:t>
             </a:r>
-            <a:endParaRPr lang="da-DK" dirty="0"/>
           </a:p>
         </p:txBody>
       </p:sp>
@@ -9232,7 +9235,7 @@
           <a:p>
             <a:fld id="{019E29B9-5584-4737-9C98-1B926378C778}" type="datetime1">
               <a:rPr lang="en-US" smtClean="0"/>
-              <a:t>5/28/2021</a:t>
+              <a:t>6/3/2021</a:t>
             </a:fld>
             <a:endParaRPr lang="da-DK"/>
           </a:p>
@@ -9553,7 +9556,7 @@
           <a:p>
             <a:fld id="{019E29B9-5584-4737-9C98-1B926378C778}" type="datetime1">
               <a:rPr lang="en-US" smtClean="0"/>
-              <a:t>5/28/2021</a:t>
+              <a:t>6/3/2021</a:t>
             </a:fld>
             <a:endParaRPr lang="da-DK"/>
           </a:p>
@@ -9731,7 +9734,7 @@
           <a:p>
             <a:fld id="{019E29B9-5584-4737-9C98-1B926378C778}" type="datetime1">
               <a:rPr lang="en-US" smtClean="0"/>
-              <a:t>5/28/2021</a:t>
+              <a:t>6/3/2021</a:t>
             </a:fld>
             <a:endParaRPr lang="da-DK"/>
           </a:p>
@@ -9920,7 +9923,7 @@
           <a:p>
             <a:fld id="{019E29B9-5584-4737-9C98-1B926378C778}" type="datetime1">
               <a:rPr lang="en-US" smtClean="0"/>
-              <a:t>5/28/2021</a:t>
+              <a:t>6/3/2021</a:t>
             </a:fld>
             <a:endParaRPr lang="da-DK"/>
           </a:p>
@@ -10331,7 +10334,7 @@
           <a:p>
             <a:fld id="{019E29B9-5584-4737-9C98-1B926378C778}" type="datetime1">
               <a:rPr lang="en-US" smtClean="0"/>
-              <a:t>5/28/2021</a:t>
+              <a:t>6/3/2021</a:t>
             </a:fld>
             <a:endParaRPr lang="da-DK"/>
           </a:p>
@@ -10654,7 +10657,7 @@
           <a:p>
             <a:fld id="{019E29B9-5584-4737-9C98-1B926378C778}" type="datetime1">
               <a:rPr lang="en-US" smtClean="0"/>
-              <a:t>5/28/2021</a:t>
+              <a:t>6/3/2021</a:t>
             </a:fld>
             <a:endParaRPr lang="da-DK"/>
           </a:p>
@@ -10909,7 +10912,7 @@
           <a:p>
             <a:fld id="{019E29B9-5584-4737-9C98-1B926378C778}" type="datetime1">
               <a:rPr lang="en-US" smtClean="0"/>
-              <a:t>5/28/2021</a:t>
+              <a:t>6/3/2021</a:t>
             </a:fld>
             <a:endParaRPr lang="da-DK"/>
           </a:p>
@@ -11150,7 +11153,7 @@
           <a:p>
             <a:fld id="{019E29B9-5584-4737-9C98-1B926378C778}" type="datetime1">
               <a:rPr lang="en-US" smtClean="0"/>
-              <a:t>5/28/2021</a:t>
+              <a:t>6/3/2021</a:t>
             </a:fld>
             <a:endParaRPr lang="da-DK"/>
           </a:p>
@@ -11386,7 +11389,7 @@
           <a:p>
             <a:fld id="{019E29B9-5584-4737-9C98-1B926378C778}" type="datetime1">
               <a:rPr lang="en-US" smtClean="0"/>
-              <a:t>5/28/2021</a:t>
+              <a:t>6/3/2021</a:t>
             </a:fld>
             <a:endParaRPr lang="da-DK"/>
           </a:p>
@@ -11917,7 +11920,7 @@
           <a:p>
             <a:fld id="{019E29B9-5584-4737-9C98-1B926378C778}" type="datetime1">
               <a:rPr lang="en-US" smtClean="0"/>
-              <a:t>5/28/2021</a:t>
+              <a:t>6/3/2021</a:t>
             </a:fld>
             <a:endParaRPr lang="da-DK"/>
           </a:p>
@@ -12106,7 +12109,7 @@
             <a:fld id="{019E29B9-5584-4737-9C98-1B926378C778}" type="datetime1">
               <a:rPr lang="en-US" smtClean="0"/>
               <a:pPr/>
-              <a:t>5/28/2021</a:t>
+              <a:t>6/3/2021</a:t>
             </a:fld>
             <a:endParaRPr lang="da-DK"/>
           </a:p>
@@ -12961,7 +12964,7 @@
           <a:p>
             <a:fld id="{019E29B9-5584-4737-9C98-1B926378C778}" type="datetime1">
               <a:rPr lang="en-US" smtClean="0"/>
-              <a:t>5/28/2021</a:t>
+              <a:t>6/3/2021</a:t>
             </a:fld>
             <a:endParaRPr lang="da-DK"/>
           </a:p>
